--- a/Apresentação/SPRINT-HUMILDIFICADORES.pptx
+++ b/Apresentação/SPRINT-HUMILDIFICADORES.pptx
@@ -12,9 +12,10 @@
     <p:sldId id="259" r:id="rId6"/>
     <p:sldId id="262" r:id="rId7"/>
     <p:sldId id="263" r:id="rId8"/>
-    <p:sldId id="265" r:id="rId9"/>
-    <p:sldId id="260" r:id="rId10"/>
-    <p:sldId id="261" r:id="rId11"/>
+    <p:sldId id="266" r:id="rId9"/>
+    <p:sldId id="265" r:id="rId10"/>
+    <p:sldId id="260" r:id="rId11"/>
+    <p:sldId id="261" r:id="rId12"/>
   </p:sldIdLst>
   <p:sldSz cx="12192000" cy="6858000"/>
   <p:notesSz cx="6858000" cy="9144000"/>
@@ -2852,7 +2853,7 @@
           <a:effectLst/>
           <a:extLst>
             <a:ext uri="{91240B29-F687-4f45-9708-019B960494DF}">
-              <a14:hiddenLine xmlns="" xmlns:a14="http://schemas.microsoft.com/office/drawing/2010/main" w="9525">
+              <a14:hiddenLine xmlns:a14="http://schemas.microsoft.com/office/drawing/2010/main" xmlns="" w="9525">
                 <a:solidFill>
                   <a:srgbClr val="000000"/>
                 </a:solidFill>
@@ -3045,7 +3046,7 @@
             <a:fld id="{08B9EBBA-996F-894A-B54A-D6246ED52CEA}" type="datetimeFigureOut">
               <a:rPr lang="en-US" smtClean="0"/>
               <a:pPr/>
-              <a:t>4/30/2020</a:t>
+              <a:t>5/5/2020</a:t>
             </a:fld>
             <a:endParaRPr lang="en-US" dirty="0"/>
           </a:p>
@@ -3365,7 +3366,7 @@
             <a:fld id="{18C79C5D-2A6F-F04D-97DA-BEF2467B64E4}" type="datetimeFigureOut">
               <a:rPr lang="en-US" smtClean="0"/>
               <a:pPr/>
-              <a:t>4/30/2020</a:t>
+              <a:t>5/5/2020</a:t>
             </a:fld>
             <a:endParaRPr lang="en-US" dirty="0"/>
           </a:p>
@@ -3855,7 +3856,7 @@
             <a:fld id="{8DFA1846-DA80-1C48-A609-854EA85C59AD}" type="datetimeFigureOut">
               <a:rPr lang="en-US" smtClean="0"/>
               <a:pPr/>
-              <a:t>4/30/2020</a:t>
+              <a:t>5/5/2020</a:t>
             </a:fld>
             <a:endParaRPr lang="en-US" dirty="0"/>
           </a:p>
@@ -4226,7 +4227,7 @@
             <a:fld id="{FBF54567-0DE4-3F47-BF90-CB84690072F9}" type="datetimeFigureOut">
               <a:rPr lang="en-US" smtClean="0"/>
               <a:pPr/>
-              <a:t>4/30/2020</a:t>
+              <a:t>5/5/2020</a:t>
             </a:fld>
             <a:endParaRPr lang="en-US" dirty="0"/>
           </a:p>
@@ -4382,7 +4383,7 @@
           <a:ln/>
           <a:extLst>
             <a:ext uri="{91240B29-F687-4f45-9708-019B960494DF}">
-              <a14:hiddenLine xmlns="" xmlns:a14="http://schemas.microsoft.com/office/drawing/2010/main" w="9525">
+              <a14:hiddenLine xmlns:a14="http://schemas.microsoft.com/office/drawing/2010/main" xmlns="" w="9525">
                 <a:solidFill>
                   <a:srgbClr val="000000"/>
                 </a:solidFill>
@@ -4501,7 +4502,7 @@
             <a:fld id="{C6C52C72-DE31-F449-A4ED-4C594FD91407}" type="datetimeFigureOut">
               <a:rPr lang="en-US" smtClean="0"/>
               <a:pPr/>
-              <a:t>4/30/2020</a:t>
+              <a:t>5/5/2020</a:t>
             </a:fld>
             <a:endParaRPr lang="en-US" dirty="0"/>
           </a:p>
@@ -4659,7 +4660,7 @@
           <a:ln/>
           <a:extLst>
             <a:ext uri="{91240B29-F687-4f45-9708-019B960494DF}">
-              <a14:hiddenLine xmlns="" xmlns:a14="http://schemas.microsoft.com/office/drawing/2010/main" w="9525">
+              <a14:hiddenLine xmlns:a14="http://schemas.microsoft.com/office/drawing/2010/main" xmlns="" w="9525">
                 <a:solidFill>
                   <a:srgbClr val="000000"/>
                 </a:solidFill>
@@ -4788,7 +4789,7 @@
             <a:fld id="{ED62726E-379B-B349-9EED-81ED093FA806}" type="datetimeFigureOut">
               <a:rPr lang="en-US" smtClean="0"/>
               <a:pPr/>
-              <a:t>4/30/2020</a:t>
+              <a:t>5/5/2020</a:t>
             </a:fld>
             <a:endParaRPr lang="en-US" dirty="0"/>
           </a:p>
@@ -4944,7 +4945,7 @@
           <a:ln/>
           <a:extLst>
             <a:ext uri="{91240B29-F687-4f45-9708-019B960494DF}">
-              <a14:hiddenLine xmlns="" xmlns:a14="http://schemas.microsoft.com/office/drawing/2010/main" w="9525">
+              <a14:hiddenLine xmlns:a14="http://schemas.microsoft.com/office/drawing/2010/main" xmlns="" w="9525">
                 <a:solidFill>
                   <a:srgbClr val="000000"/>
                 </a:solidFill>
@@ -5073,7 +5074,7 @@
             <a:fld id="{9B3A1323-8D79-1946-B0D7-40001CF92E9D}" type="datetimeFigureOut">
               <a:rPr lang="en-US" smtClean="0"/>
               <a:pPr/>
-              <a:t>4/30/2020</a:t>
+              <a:t>5/5/2020</a:t>
             </a:fld>
             <a:endParaRPr lang="en-US" dirty="0"/>
           </a:p>
@@ -5418,7 +5419,7 @@
             <a:fld id="{8DFA1846-DA80-1C48-A609-854EA85C59AD}" type="datetimeFigureOut">
               <a:rPr lang="en-US" smtClean="0"/>
               <a:pPr/>
-              <a:t>4/30/2020</a:t>
+              <a:t>5/5/2020</a:t>
             </a:fld>
             <a:endParaRPr lang="en-US" dirty="0"/>
           </a:p>
@@ -5574,7 +5575,7 @@
           <a:ln/>
           <a:extLst>
             <a:ext uri="{91240B29-F687-4f45-9708-019B960494DF}">
-              <a14:hiddenLine xmlns="" xmlns:a14="http://schemas.microsoft.com/office/drawing/2010/main" w="9525">
+              <a14:hiddenLine xmlns:a14="http://schemas.microsoft.com/office/drawing/2010/main" xmlns="" w="9525">
                 <a:solidFill>
                   <a:srgbClr val="000000"/>
                 </a:solidFill>
@@ -5759,7 +5760,7 @@
             <a:fld id="{57302355-E14B-8545-A8F8-0FE83CC9D524}" type="datetimeFigureOut">
               <a:rPr lang="en-US" smtClean="0"/>
               <a:pPr/>
-              <a:t>4/30/2020</a:t>
+              <a:t>5/5/2020</a:t>
             </a:fld>
             <a:endParaRPr lang="en-US" dirty="0"/>
           </a:p>
@@ -5915,7 +5916,7 @@
           <a:ln/>
           <a:extLst>
             <a:ext uri="{91240B29-F687-4f45-9708-019B960494DF}">
-              <a14:hiddenLine xmlns="" xmlns:a14="http://schemas.microsoft.com/office/drawing/2010/main" w="9525">
+              <a14:hiddenLine xmlns:a14="http://schemas.microsoft.com/office/drawing/2010/main" xmlns="" w="9525">
                 <a:solidFill>
                   <a:srgbClr val="000000"/>
                 </a:solidFill>
@@ -6238,7 +6239,7 @@
             <a:fld id="{02640F58-564D-2B4F-AE67-E407BA4FCF45}" type="datetimeFigureOut">
               <a:rPr lang="en-US" smtClean="0"/>
               <a:pPr/>
-              <a:t>4/30/2020</a:t>
+              <a:t>5/5/2020</a:t>
             </a:fld>
             <a:endParaRPr lang="en-US" dirty="0"/>
           </a:p>
@@ -6394,7 +6395,7 @@
           <a:ln/>
           <a:extLst>
             <a:ext uri="{91240B29-F687-4f45-9708-019B960494DF}">
-              <a14:hiddenLine xmlns="" xmlns:a14="http://schemas.microsoft.com/office/drawing/2010/main" w="9525">
+              <a14:hiddenLine xmlns:a14="http://schemas.microsoft.com/office/drawing/2010/main" xmlns="" w="9525">
                 <a:solidFill>
                   <a:srgbClr val="000000"/>
                 </a:solidFill>
@@ -6461,7 +6462,7 @@
             <a:fld id="{F13A34C8-038E-2045-AF43-DF7DBB8E0E9E}" type="datetimeFigureOut">
               <a:rPr lang="en-US" smtClean="0"/>
               <a:pPr/>
-              <a:t>4/30/2020</a:t>
+              <a:t>5/5/2020</a:t>
             </a:fld>
             <a:endParaRPr lang="en-US" dirty="0"/>
           </a:p>
@@ -6558,7 +6559,7 @@
             <a:fld id="{8818C68F-D26B-8F47-958C-23B49CF8A634}" type="datetimeFigureOut">
               <a:rPr lang="en-US" smtClean="0"/>
               <a:pPr/>
-              <a:t>4/30/2020</a:t>
+              <a:t>5/5/2020</a:t>
             </a:fld>
             <a:endParaRPr lang="en-US" dirty="0"/>
           </a:p>
@@ -6827,7 +6828,7 @@
           <a:ln/>
           <a:extLst>
             <a:ext uri="{91240B29-F687-4f45-9708-019B960494DF}">
-              <a14:hiddenLine xmlns="" xmlns:a14="http://schemas.microsoft.com/office/drawing/2010/main" w="9525">
+              <a14:hiddenLine xmlns:a14="http://schemas.microsoft.com/office/drawing/2010/main" xmlns="" w="9525">
                 <a:solidFill>
                   <a:srgbClr val="000000"/>
                 </a:solidFill>
@@ -7027,7 +7028,7 @@
             <a:fld id="{D0DF5E60-9974-AC48-9591-99C2BB44B7CF}" type="datetimeFigureOut">
               <a:rPr lang="en-US" smtClean="0"/>
               <a:pPr/>
-              <a:t>4/30/2020</a:t>
+              <a:t>5/5/2020</a:t>
             </a:fld>
             <a:endParaRPr lang="en-US" dirty="0"/>
           </a:p>
@@ -7342,7 +7343,7 @@
             <a:fld id="{18C79C5D-2A6F-F04D-97DA-BEF2467B64E4}" type="datetimeFigureOut">
               <a:rPr lang="en-US" smtClean="0"/>
               <a:pPr/>
-              <a:t>4/30/2020</a:t>
+              <a:t>5/5/2020</a:t>
             </a:fld>
             <a:endParaRPr lang="en-US" dirty="0"/>
           </a:p>
@@ -7614,7 +7615,7 @@
             <a:fld id="{09B482E8-6E0E-1B4F-B1FD-C69DB9E858D9}" type="datetimeFigureOut">
               <a:rPr lang="en-US" smtClean="0"/>
               <a:pPr/>
-              <a:t>4/30/2020</a:t>
+              <a:t>5/5/2020</a:t>
             </a:fld>
             <a:endParaRPr lang="en-US" dirty="0"/>
           </a:p>
@@ -9022,6 +9023,494 @@
       </p:grpSpPr>
       <p:sp>
         <p:nvSpPr>
+          <p:cNvPr id="2" name="Título 1">
+            <a:extLst>
+              <a:ext uri="{FF2B5EF4-FFF2-40B4-BE49-F238E27FC236}">
+                <a16:creationId xmlns:a16="http://schemas.microsoft.com/office/drawing/2014/main" id="{D1B1195E-BE4D-4653-BD88-8D2CC20456BB}"/>
+              </a:ext>
+            </a:extLst>
+          </p:cNvPr>
+          <p:cNvSpPr>
+            <a:spLocks noGrp="1"/>
+          </p:cNvSpPr>
+          <p:nvPr>
+            <p:ph type="title"/>
+          </p:nvPr>
+        </p:nvSpPr>
+        <p:spPr>
+          <a:xfrm>
+            <a:off x="965199" y="0"/>
+            <a:ext cx="10261602" cy="1422907"/>
+          </a:xfrm>
+          <a:effectLst/>
+        </p:spPr>
+        <p:txBody>
+          <a:bodyPr vert="horz" lIns="91440" tIns="45720" rIns="91440" bIns="45720" rtlCol="0" anchor="b">
+            <a:normAutofit/>
+          </a:bodyPr>
+          <a:lstStyle/>
+          <a:p>
+            <a:pPr algn="ctr"/>
+            <a:r>
+              <a:rPr lang="en-US" sz="7200" dirty="0" err="1">
+                <a:solidFill>
+                  <a:schemeClr val="tx1"/>
+                </a:solidFill>
+              </a:rPr>
+              <a:t>Protótipo</a:t>
+            </a:r>
+            <a:r>
+              <a:rPr lang="en-US" sz="7200" dirty="0">
+                <a:solidFill>
+                  <a:schemeClr val="tx1"/>
+                </a:solidFill>
+              </a:rPr>
+              <a:t> do site</a:t>
+            </a:r>
+          </a:p>
+        </p:txBody>
+      </p:sp>
+      <p:sp>
+        <p:nvSpPr>
+          <p:cNvPr id="4" name="CaixaDeTexto 3">
+            <a:extLst>
+              <a:ext uri="{FF2B5EF4-FFF2-40B4-BE49-F238E27FC236}">
+                <a16:creationId xmlns:a16="http://schemas.microsoft.com/office/drawing/2014/main" id="{38DCCAF8-5D3D-4678-8C85-75BF85832AF7}"/>
+              </a:ext>
+            </a:extLst>
+          </p:cNvPr>
+          <p:cNvSpPr txBox="1"/>
+          <p:nvPr/>
+        </p:nvSpPr>
+        <p:spPr>
+          <a:xfrm>
+            <a:off x="1906955" y="4033164"/>
+            <a:ext cx="8378090" cy="1181206"/>
+          </a:xfrm>
+          <a:prstGeom prst="rect">
+            <a:avLst/>
+          </a:prstGeom>
+          <a:effectLst/>
+        </p:spPr>
+        <p:txBody>
+          <a:bodyPr vert="horz" lIns="91440" tIns="45720" rIns="91440" bIns="45720" rtlCol="0" anchor="t">
+            <a:normAutofit/>
+          </a:bodyPr>
+          <a:lstStyle/>
+          <a:p>
+            <a:pPr algn="ctr">
+              <a:spcBef>
+                <a:spcPct val="20000"/>
+              </a:spcBef>
+              <a:spcAft>
+                <a:spcPts val="600"/>
+              </a:spcAft>
+              <a:buClr>
+                <a:schemeClr val="accent1"/>
+              </a:buClr>
+            </a:pPr>
+            <a:r>
+              <a:rPr lang="en-US" sz="2000" b="1" dirty="0">
+                <a:hlinkClick r:id="rId2">
+                  <a:extLst>
+                    <a:ext uri="{A12FA001-AC4F-418D-AE19-62706E023703}">
+                      <ahyp:hlinkClr xmlns:ahyp="http://schemas.microsoft.com/office/drawing/2018/hyperlinkcolor" val="tx"/>
+                    </a:ext>
+                  </a:extLst>
+                </a:hlinkClick>
+              </a:rPr>
+              <a:t>Clique </a:t>
+            </a:r>
+            <a:r>
+              <a:rPr lang="en-US" sz="2000" b="1" dirty="0" err="1">
+                <a:hlinkClick r:id="rId2">
+                  <a:extLst>
+                    <a:ext uri="{A12FA001-AC4F-418D-AE19-62706E023703}">
+                      <ahyp:hlinkClr xmlns:ahyp="http://schemas.microsoft.com/office/drawing/2018/hyperlinkcolor" val="tx"/>
+                    </a:ext>
+                  </a:extLst>
+                </a:hlinkClick>
+              </a:rPr>
+              <a:t>aqui</a:t>
+            </a:r>
+            <a:r>
+              <a:rPr lang="en-US" sz="2000" b="1" dirty="0">
+                <a:hlinkClick r:id="rId2">
+                  <a:extLst>
+                    <a:ext uri="{A12FA001-AC4F-418D-AE19-62706E023703}">
+                      <ahyp:hlinkClr xmlns:ahyp="http://schemas.microsoft.com/office/drawing/2018/hyperlinkcolor" val="tx"/>
+                    </a:ext>
+                  </a:extLst>
+                </a:hlinkClick>
+              </a:rPr>
+              <a:t> para </a:t>
+            </a:r>
+            <a:r>
+              <a:rPr lang="en-US" sz="2000" b="1" dirty="0" err="1">
+                <a:hlinkClick r:id="rId2">
+                  <a:extLst>
+                    <a:ext uri="{A12FA001-AC4F-418D-AE19-62706E023703}">
+                      <ahyp:hlinkClr xmlns:ahyp="http://schemas.microsoft.com/office/drawing/2018/hyperlinkcolor" val="tx"/>
+                    </a:ext>
+                  </a:extLst>
+                </a:hlinkClick>
+              </a:rPr>
+              <a:t>ver</a:t>
+            </a:r>
+            <a:r>
+              <a:rPr lang="en-US" sz="2000" b="1" dirty="0">
+                <a:hlinkClick r:id="rId2">
+                  <a:extLst>
+                    <a:ext uri="{A12FA001-AC4F-418D-AE19-62706E023703}">
+                      <ahyp:hlinkClr xmlns:ahyp="http://schemas.microsoft.com/office/drawing/2018/hyperlinkcolor" val="tx"/>
+                    </a:ext>
+                  </a:extLst>
+                </a:hlinkClick>
+              </a:rPr>
+              <a:t> o site</a:t>
+            </a:r>
+            <a:endParaRPr lang="en-US" sz="2000" b="1" dirty="0"/>
+          </a:p>
+        </p:txBody>
+      </p:sp>
+      <p:pic>
+        <p:nvPicPr>
+          <p:cNvPr id="6" name="Gráfico 5" descr="Cursor">
+            <a:extLst>
+              <a:ext uri="{FF2B5EF4-FFF2-40B4-BE49-F238E27FC236}">
+                <a16:creationId xmlns:a16="http://schemas.microsoft.com/office/drawing/2014/main" id="{AD4EA5F9-302E-4AFA-9441-4E1A278D7695}"/>
+              </a:ext>
+            </a:extLst>
+          </p:cNvPr>
+          <p:cNvPicPr>
+            <a:picLocks noChangeAspect="1"/>
+          </p:cNvPicPr>
+          <p:nvPr/>
+        </p:nvPicPr>
+        <p:blipFill>
+          <a:blip r:embed="rId3">
+            <a:extLst>
+              <a:ext uri="{96DAC541-7B7A-43D3-8B79-37D633B846F1}">
+                <asvg:svgBlip xmlns:asvg="http://schemas.microsoft.com/office/drawing/2016/SVG/main" r:embed="rId4"/>
+              </a:ext>
+            </a:extLst>
+          </a:blip>
+          <a:stretch>
+            <a:fillRect/>
+          </a:stretch>
+        </p:blipFill>
+        <p:spPr>
+          <a:xfrm>
+            <a:off x="10040281" y="5346401"/>
+            <a:ext cx="914400" cy="914400"/>
+          </a:xfrm>
+          <a:prstGeom prst="rect">
+            <a:avLst/>
+          </a:prstGeom>
+        </p:spPr>
+      </p:pic>
+    </p:spTree>
+    <p:extLst>
+      <p:ext uri="{BB962C8B-B14F-4D97-AF65-F5344CB8AC3E}">
+        <p14:creationId xmlns:p14="http://schemas.microsoft.com/office/powerpoint/2010/main" val="2412284155"/>
+      </p:ext>
+    </p:extLst>
+  </p:cSld>
+  <p:clrMapOvr>
+    <a:overrideClrMapping bg1="lt1" tx1="dk1" bg2="lt2" tx2="dk2" accent1="accent1" accent2="accent2" accent3="accent3" accent4="accent4" accent5="accent5" accent6="accent6" hlink="hlink" folHlink="folHlink"/>
+  </p:clrMapOvr>
+  <p:timing>
+    <p:tnLst>
+      <p:par>
+        <p:cTn id="1" dur="indefinite" restart="never" nodeType="tmRoot">
+          <p:childTnLst>
+            <p:seq concurrent="1" nextAc="seek">
+              <p:cTn id="2" dur="indefinite" nodeType="mainSeq">
+                <p:childTnLst>
+                  <p:par>
+                    <p:cTn id="3" fill="hold">
+                      <p:stCondLst>
+                        <p:cond delay="indefinite"/>
+                      </p:stCondLst>
+                      <p:childTnLst>
+                        <p:par>
+                          <p:cTn id="4" fill="hold">
+                            <p:stCondLst>
+                              <p:cond delay="0"/>
+                            </p:stCondLst>
+                            <p:childTnLst>
+                              <p:par>
+                                <p:cTn id="5" presetID="42" presetClass="entr" presetSubtype="0" fill="hold" grpId="0" nodeType="clickEffect">
+                                  <p:stCondLst>
+                                    <p:cond delay="0"/>
+                                  </p:stCondLst>
+                                  <p:childTnLst>
+                                    <p:set>
+                                      <p:cBhvr>
+                                        <p:cTn id="6" dur="1" fill="hold">
+                                          <p:stCondLst>
+                                            <p:cond delay="0"/>
+                                          </p:stCondLst>
+                                        </p:cTn>
+                                        <p:tgtEl>
+                                          <p:spTgt spid="2"/>
+                                        </p:tgtEl>
+                                        <p:attrNameLst>
+                                          <p:attrName>style.visibility</p:attrName>
+                                        </p:attrNameLst>
+                                      </p:cBhvr>
+                                      <p:to>
+                                        <p:strVal val="visible"/>
+                                      </p:to>
+                                    </p:set>
+                                    <p:animEffect transition="in" filter="fade">
+                                      <p:cBhvr>
+                                        <p:cTn id="7" dur="1000"/>
+                                        <p:tgtEl>
+                                          <p:spTgt spid="2"/>
+                                        </p:tgtEl>
+                                      </p:cBhvr>
+                                    </p:animEffect>
+                                    <p:anim calcmode="lin" valueType="num">
+                                      <p:cBhvr>
+                                        <p:cTn id="8" dur="1000" fill="hold"/>
+                                        <p:tgtEl>
+                                          <p:spTgt spid="2"/>
+                                        </p:tgtEl>
+                                        <p:attrNameLst>
+                                          <p:attrName>ppt_x</p:attrName>
+                                        </p:attrNameLst>
+                                      </p:cBhvr>
+                                      <p:tavLst>
+                                        <p:tav tm="0">
+                                          <p:val>
+                                            <p:strVal val="#ppt_x"/>
+                                          </p:val>
+                                        </p:tav>
+                                        <p:tav tm="100000">
+                                          <p:val>
+                                            <p:strVal val="#ppt_x"/>
+                                          </p:val>
+                                        </p:tav>
+                                      </p:tavLst>
+                                    </p:anim>
+                                    <p:anim calcmode="lin" valueType="num">
+                                      <p:cBhvr>
+                                        <p:cTn id="9" dur="1000" fill="hold"/>
+                                        <p:tgtEl>
+                                          <p:spTgt spid="2"/>
+                                        </p:tgtEl>
+                                        <p:attrNameLst>
+                                          <p:attrName>ppt_y</p:attrName>
+                                        </p:attrNameLst>
+                                      </p:cBhvr>
+                                      <p:tavLst>
+                                        <p:tav tm="0">
+                                          <p:val>
+                                            <p:strVal val="#ppt_y+.1"/>
+                                          </p:val>
+                                        </p:tav>
+                                        <p:tav tm="100000">
+                                          <p:val>
+                                            <p:strVal val="#ppt_y"/>
+                                          </p:val>
+                                        </p:tav>
+                                      </p:tavLst>
+                                    </p:anim>
+                                  </p:childTnLst>
+                                </p:cTn>
+                              </p:par>
+                            </p:childTnLst>
+                          </p:cTn>
+                        </p:par>
+                      </p:childTnLst>
+                    </p:cTn>
+                  </p:par>
+                  <p:par>
+                    <p:cTn id="10" fill="hold">
+                      <p:stCondLst>
+                        <p:cond delay="indefinite"/>
+                      </p:stCondLst>
+                      <p:childTnLst>
+                        <p:par>
+                          <p:cTn id="11" fill="hold">
+                            <p:stCondLst>
+                              <p:cond delay="0"/>
+                            </p:stCondLst>
+                            <p:childTnLst>
+                              <p:par>
+                                <p:cTn id="12" presetID="42" presetClass="entr" presetSubtype="0" fill="hold" grpId="0" nodeType="clickEffect">
+                                  <p:stCondLst>
+                                    <p:cond delay="0"/>
+                                  </p:stCondLst>
+                                  <p:childTnLst>
+                                    <p:set>
+                                      <p:cBhvr>
+                                        <p:cTn id="13" dur="1" fill="hold">
+                                          <p:stCondLst>
+                                            <p:cond delay="0"/>
+                                          </p:stCondLst>
+                                        </p:cTn>
+                                        <p:tgtEl>
+                                          <p:spTgt spid="4"/>
+                                        </p:tgtEl>
+                                        <p:attrNameLst>
+                                          <p:attrName>style.visibility</p:attrName>
+                                        </p:attrNameLst>
+                                      </p:cBhvr>
+                                      <p:to>
+                                        <p:strVal val="visible"/>
+                                      </p:to>
+                                    </p:set>
+                                    <p:animEffect transition="in" filter="fade">
+                                      <p:cBhvr>
+                                        <p:cTn id="14" dur="1000"/>
+                                        <p:tgtEl>
+                                          <p:spTgt spid="4"/>
+                                        </p:tgtEl>
+                                      </p:cBhvr>
+                                    </p:animEffect>
+                                    <p:anim calcmode="lin" valueType="num">
+                                      <p:cBhvr>
+                                        <p:cTn id="15" dur="1000" fill="hold"/>
+                                        <p:tgtEl>
+                                          <p:spTgt spid="4"/>
+                                        </p:tgtEl>
+                                        <p:attrNameLst>
+                                          <p:attrName>ppt_x</p:attrName>
+                                        </p:attrNameLst>
+                                      </p:cBhvr>
+                                      <p:tavLst>
+                                        <p:tav tm="0">
+                                          <p:val>
+                                            <p:strVal val="#ppt_x"/>
+                                          </p:val>
+                                        </p:tav>
+                                        <p:tav tm="100000">
+                                          <p:val>
+                                            <p:strVal val="#ppt_x"/>
+                                          </p:val>
+                                        </p:tav>
+                                      </p:tavLst>
+                                    </p:anim>
+                                    <p:anim calcmode="lin" valueType="num">
+                                      <p:cBhvr>
+                                        <p:cTn id="16" dur="1000" fill="hold"/>
+                                        <p:tgtEl>
+                                          <p:spTgt spid="4"/>
+                                        </p:tgtEl>
+                                        <p:attrNameLst>
+                                          <p:attrName>ppt_y</p:attrName>
+                                        </p:attrNameLst>
+                                      </p:cBhvr>
+                                      <p:tavLst>
+                                        <p:tav tm="0">
+                                          <p:val>
+                                            <p:strVal val="#ppt_y+.1"/>
+                                          </p:val>
+                                        </p:tav>
+                                        <p:tav tm="100000">
+                                          <p:val>
+                                            <p:strVal val="#ppt_y"/>
+                                          </p:val>
+                                        </p:tav>
+                                      </p:tavLst>
+                                    </p:anim>
+                                  </p:childTnLst>
+                                </p:cTn>
+                              </p:par>
+                            </p:childTnLst>
+                          </p:cTn>
+                        </p:par>
+                        <p:par>
+                          <p:cTn id="17" fill="hold">
+                            <p:stCondLst>
+                              <p:cond delay="1000"/>
+                            </p:stCondLst>
+                            <p:childTnLst>
+                              <p:par>
+                                <p:cTn id="18" presetID="0" presetClass="path" presetSubtype="0" accel="50000" decel="50000" fill="hold" nodeType="afterEffect">
+                                  <p:stCondLst>
+                                    <p:cond delay="0"/>
+                                  </p:stCondLst>
+                                  <p:childTnLst>
+                                    <p:animMotion origin="layout" path="M -0.04193 -0.00486 L -0.04193 -0.00486 C -0.05768 0.00555 -0.0474 3.7037E-6 -0.0806 -0.00232 C -0.08138 -0.00232 -0.08203 -0.00324 -0.08281 -0.00371 C -0.08373 -0.00417 -0.08464 -0.00463 -0.08568 -0.00486 C -0.08737 -0.00556 -0.08906 -0.00579 -0.09076 -0.00625 C -0.09193 -0.00718 -0.0931 -0.00811 -0.0944 -0.0088 C -0.09558 -0.00949 -0.09688 -0.00949 -0.09805 -0.01019 C -0.09909 -0.01065 -0.1 -0.01204 -0.10091 -0.01274 C -0.10235 -0.01366 -0.10404 -0.01389 -0.10534 -0.01528 C -0.10729 -0.0176 -0.10808 -0.01875 -0.11042 -0.02037 C -0.11263 -0.02199 -0.11628 -0.02361 -0.11836 -0.0257 C -0.12578 -0.03287 -0.11992 -0.02963 -0.12565 -0.03218 C -0.12904 -0.03797 -0.12487 -0.03102 -0.13008 -0.03866 C -0.1306 -0.03936 -0.13086 -0.04074 -0.13151 -0.04121 C -0.13294 -0.04236 -0.13594 -0.04375 -0.13594 -0.04375 C -0.13685 -0.04514 -0.13789 -0.0463 -0.1388 -0.04769 C -0.13933 -0.04838 -0.13972 -0.04954 -0.14024 -0.05024 C -0.14089 -0.05116 -0.1418 -0.05186 -0.14245 -0.05278 C -0.14297 -0.05371 -0.14336 -0.05463 -0.14388 -0.05556 C -0.14531 -0.05741 -0.14701 -0.05834 -0.14831 -0.06065 C -0.14948 -0.06274 -0.15052 -0.06551 -0.15196 -0.06713 C -0.15339 -0.06875 -0.15508 -0.07014 -0.15625 -0.07223 C -0.15677 -0.07315 -0.15716 -0.07408 -0.15768 -0.07477 C -0.15847 -0.07593 -0.15925 -0.07639 -0.1599 -0.07755 C -0.16068 -0.07871 -0.16133 -0.0801 -0.16211 -0.08125 C -0.16276 -0.08241 -0.16354 -0.08287 -0.16433 -0.08403 C -0.16537 -0.08542 -0.16641 -0.08704 -0.16719 -0.08912 C -0.16771 -0.09051 -0.16797 -0.0919 -0.16862 -0.09306 C -0.16953 -0.09422 -0.17058 -0.09468 -0.17149 -0.09561 L -0.17735 -0.10602 L -0.17956 -0.10996 L -0.18177 -0.11366 C -0.18216 -0.11551 -0.18268 -0.11713 -0.18321 -0.11899 C -0.1836 -0.12037 -0.18425 -0.1213 -0.18464 -0.12269 C -0.18503 -0.12408 -0.18503 -0.12547 -0.18542 -0.12662 C -0.1862 -0.1294 -0.18737 -0.13195 -0.18828 -0.13449 C -0.1888 -0.13565 -0.18946 -0.13681 -0.18972 -0.13843 C -0.19076 -0.14399 -0.18998 -0.14121 -0.19271 -0.14607 C -0.19453 -0.15579 -0.19206 -0.14375 -0.19479 -0.15394 C -0.19518 -0.1551 -0.19505 -0.15672 -0.19558 -0.15787 C -0.1961 -0.15903 -0.19701 -0.15949 -0.19779 -0.16042 C -0.19961 -0.17014 -0.19714 -0.15811 -0.19987 -0.16806 C -0.20026 -0.16945 -0.20026 -0.17084 -0.20065 -0.17199 C -0.20156 -0.17477 -0.203 -0.17686 -0.20352 -0.17986 C -0.20469 -0.18542 -0.20378 -0.18264 -0.20651 -0.1875 C -0.2086 -0.19861 -0.20573 -0.18519 -0.20873 -0.19399 C -0.21146 -0.20232 -0.20716 -0.19399 -0.21081 -0.20047 C -0.21172 -0.20486 -0.21107 -0.20348 -0.21224 -0.20556 " pathEditMode="relative" ptsTypes="AAAAAAAAAAAAAAAAAAAAAAAAAAAAAAAAAAAAAAAAAAAAAAAAA">
+                                      <p:cBhvr>
+                                        <p:cTn id="19" dur="2000" fill="hold"/>
+                                        <p:tgtEl>
+                                          <p:spTgt spid="6"/>
+                                        </p:tgtEl>
+                                        <p:attrNameLst>
+                                          <p:attrName>ppt_x</p:attrName>
+                                          <p:attrName>ppt_y</p:attrName>
+                                        </p:attrNameLst>
+                                      </p:cBhvr>
+                                    </p:animMotion>
+                                  </p:childTnLst>
+                                </p:cTn>
+                              </p:par>
+                            </p:childTnLst>
+                          </p:cTn>
+                        </p:par>
+                      </p:childTnLst>
+                    </p:cTn>
+                  </p:par>
+                </p:childTnLst>
+              </p:cTn>
+              <p:prevCondLst>
+                <p:cond evt="onPrev" delay="0">
+                  <p:tgtEl>
+                    <p:sldTgt/>
+                  </p:tgtEl>
+                </p:cond>
+              </p:prevCondLst>
+              <p:nextCondLst>
+                <p:cond evt="onNext" delay="0">
+                  <p:tgtEl>
+                    <p:sldTgt/>
+                  </p:tgtEl>
+                </p:cond>
+              </p:nextCondLst>
+            </p:seq>
+          </p:childTnLst>
+        </p:cTn>
+      </p:par>
+    </p:tnLst>
+    <p:bldLst>
+      <p:bldP spid="2" grpId="0"/>
+      <p:bldP spid="4" grpId="0"/>
+    </p:bldLst>
+  </p:timing>
+</p:sld>
+</file>
+
+<file path=ppt/slides/slide11.xml><?xml version="1.0" encoding="utf-8"?>
+<p:sld xmlns:a="http://schemas.openxmlformats.org/drawingml/2006/main" xmlns:r="http://schemas.openxmlformats.org/officeDocument/2006/relationships" xmlns:p="http://schemas.openxmlformats.org/presentationml/2006/main">
+  <p:cSld>
+    <p:bg>
+      <p:bgPr>
+        <a:solidFill>
+          <a:schemeClr val="bg1"/>
+        </a:solidFill>
+        <a:effectLst/>
+      </p:bgPr>
+    </p:bg>
+    <p:spTree>
+      <p:nvGrpSpPr>
+        <p:cNvPr id="1" name=""/>
+        <p:cNvGrpSpPr/>
+        <p:nvPr/>
+      </p:nvGrpSpPr>
+      <p:grpSpPr>
+        <a:xfrm>
+          <a:off x="0" y="0"/>
+          <a:ext cx="0" cy="0"/>
+          <a:chOff x="0" y="0"/>
+          <a:chExt cx="0" cy="0"/>
+        </a:xfrm>
+      </p:grpSpPr>
+      <p:sp>
+        <p:nvSpPr>
           <p:cNvPr id="8" name="Freeform 6">
             <a:extLst>
               <a:ext uri="{FF2B5EF4-FFF2-40B4-BE49-F238E27FC236}">
@@ -9115,7 +9604,7 @@
           <a:effectLst/>
           <a:extLst>
             <a:ext uri="{91240B29-F687-4f45-9708-019B960494DF}">
-              <a14:hiddenLine xmlns:a16="http://schemas.microsoft.com/office/drawing/2014/main" xmlns:a14="http://schemas.microsoft.com/office/drawing/2010/main" xmlns="" w="9525">
+              <a14:hiddenLine xmlns="" xmlns:a14="http://schemas.microsoft.com/office/drawing/2010/main" xmlns:a16="http://schemas.microsoft.com/office/drawing/2014/main" w="9525">
                 <a:solidFill>
                   <a:srgbClr val="000000"/>
                 </a:solidFill>
@@ -9489,7 +9978,7 @@
           <a:effectLst/>
           <a:extLst>
             <a:ext uri="{91240B29-F687-4f45-9708-019B960494DF}">
-              <a14:hiddenLine xmlns:a14="http://schemas.microsoft.com/office/drawing/2010/main" xmlns:p14="http://schemas.microsoft.com/office/powerpoint/2010/main" xmlns:a16="http://schemas.microsoft.com/office/drawing/2014/main" xmlns="" w="9525">
+              <a14:hiddenLine xmlns="" xmlns:a16="http://schemas.microsoft.com/office/drawing/2014/main" xmlns:p14="http://schemas.microsoft.com/office/powerpoint/2010/main" xmlns:a14="http://schemas.microsoft.com/office/drawing/2010/main" w="9525">
                 <a:solidFill>
                   <a:srgbClr val="000000"/>
                 </a:solidFill>
@@ -10247,7 +10736,7 @@
           <a:effectLst/>
           <a:extLst>
             <a:ext uri="{91240B29-F687-4f45-9708-019B960494DF}">
-              <a14:hiddenLine xmlns:a16="http://schemas.microsoft.com/office/drawing/2014/main" xmlns:a14="http://schemas.microsoft.com/office/drawing/2010/main" xmlns="" w="9525">
+              <a14:hiddenLine xmlns="" xmlns:a14="http://schemas.microsoft.com/office/drawing/2010/main" xmlns:a16="http://schemas.microsoft.com/office/drawing/2014/main" w="9525">
                 <a:solidFill>
                   <a:srgbClr val="000000"/>
                 </a:solidFill>
@@ -10579,7 +11068,7 @@
           <a:effectLst/>
           <a:extLst>
             <a:ext uri="{91240B29-F687-4f45-9708-019B960494DF}">
-              <a14:hiddenLine xmlns:a14="http://schemas.microsoft.com/office/drawing/2010/main" xmlns:p14="http://schemas.microsoft.com/office/powerpoint/2010/main" xmlns:a16="http://schemas.microsoft.com/office/drawing/2014/main" xmlns="" w="9525">
+              <a14:hiddenLine xmlns="" xmlns:a16="http://schemas.microsoft.com/office/drawing/2014/main" xmlns:p14="http://schemas.microsoft.com/office/powerpoint/2010/main" xmlns:a14="http://schemas.microsoft.com/office/drawing/2010/main" w="9525">
                 <a:solidFill>
                   <a:srgbClr val="000000"/>
                 </a:solidFill>
@@ -13470,7 +13959,7 @@
           <a:effectLst/>
           <a:extLst>
             <a:ext uri="{91240B29-F687-4f45-9708-019B960494DF}">
-              <a14:hiddenLine xmlns:a16="http://schemas.microsoft.com/office/drawing/2014/main" xmlns:a14="http://schemas.microsoft.com/office/drawing/2010/main" xmlns="" w="9525">
+              <a14:hiddenLine xmlns="" xmlns:a14="http://schemas.microsoft.com/office/drawing/2010/main" xmlns:a16="http://schemas.microsoft.com/office/drawing/2014/main" w="9525">
                 <a:solidFill>
                   <a:srgbClr val="000000"/>
                 </a:solidFill>
@@ -13818,7 +14307,7 @@
           <a:effectLst/>
           <a:extLst>
             <a:ext uri="{91240B29-F687-4f45-9708-019B960494DF}">
-              <a14:hiddenLine xmlns:a14="http://schemas.microsoft.com/office/drawing/2010/main" xmlns:p14="http://schemas.microsoft.com/office/powerpoint/2010/main" xmlns:a16="http://schemas.microsoft.com/office/drawing/2014/main" xmlns="" w="9525">
+              <a14:hiddenLine xmlns="" xmlns:a16="http://schemas.microsoft.com/office/drawing/2014/main" xmlns:p14="http://schemas.microsoft.com/office/powerpoint/2010/main" xmlns:a14="http://schemas.microsoft.com/office/drawing/2010/main" w="9525">
                 <a:solidFill>
                   <a:srgbClr val="000000"/>
                 </a:solidFill>
@@ -14270,6 +14759,293 @@
     <p:bg>
       <p:bgPr>
         <a:solidFill>
+          <a:schemeClr val="bg2"/>
+        </a:solidFill>
+        <a:effectLst/>
+      </p:bgPr>
+    </p:bg>
+    <p:spTree>
+      <p:nvGrpSpPr>
+        <p:cNvPr id="1" name=""/>
+        <p:cNvGrpSpPr/>
+        <p:nvPr/>
+      </p:nvGrpSpPr>
+      <p:grpSpPr>
+        <a:xfrm>
+          <a:off x="0" y="0"/>
+          <a:ext cx="0" cy="0"/>
+          <a:chOff x="0" y="0"/>
+          <a:chExt cx="0" cy="0"/>
+        </a:xfrm>
+      </p:grpSpPr>
+      <p:sp>
+        <p:nvSpPr>
+          <p:cNvPr id="10" name="Freeform 6">
+            <a:extLst>
+              <a:ext uri="{FF2B5EF4-FFF2-40B4-BE49-F238E27FC236}">
+                <a16:creationId xmlns:a16="http://schemas.microsoft.com/office/drawing/2014/main" id="{E446B7E6-8568-417F-959E-DB3D1E70F648}"/>
+              </a:ext>
+              <a:ext uri="{C183D7F6-B498-43B3-948B-1728B52AA6E4}">
+                <adec:decorative xmlns:adec="http://schemas.microsoft.com/office/drawing/2017/decorative" val="1"/>
+              </a:ext>
+            </a:extLst>
+          </p:cNvPr>
+          <p:cNvSpPr>
+            <a:spLocks noGrp="1" noRot="1" noChangeAspect="1" noMove="1" noResize="1" noEditPoints="1" noAdjustHandles="1" noChangeArrowheads="1" noChangeShapeType="1" noTextEdit="1"/>
+          </p:cNvSpPr>
+          <p:nvPr>
+            <p:extLst>
+              <p:ext uri="{386F3935-93C4-4BCD-93E2-E3B085C9AB24}">
+                <p16:designElem xmlns:p16="http://schemas.microsoft.com/office/powerpoint/2015/main" val="1"/>
+              </p:ext>
+            </p:extLst>
+          </p:nvPr>
+        </p:nvSpPr>
+        <p:spPr bwMode="auto">
+          <a:xfrm>
+            <a:off x="0" y="-3175"/>
+            <a:ext cx="12192000" cy="5203825"/>
+          </a:xfrm>
+          <a:custGeom>
+            <a:avLst/>
+            <a:gdLst/>
+            <a:ahLst/>
+            <a:cxnLst/>
+            <a:rect l="0" t="0" r="r" b="b"/>
+            <a:pathLst>
+              <a:path w="5760" h="3278">
+                <a:moveTo>
+                  <a:pt x="5760" y="0"/>
+                </a:moveTo>
+                <a:lnTo>
+                  <a:pt x="0" y="0"/>
+                </a:lnTo>
+                <a:lnTo>
+                  <a:pt x="0" y="3090"/>
+                </a:lnTo>
+                <a:lnTo>
+                  <a:pt x="943" y="3090"/>
+                </a:lnTo>
+                <a:lnTo>
+                  <a:pt x="1123" y="3270"/>
+                </a:lnTo>
+                <a:lnTo>
+                  <a:pt x="1123" y="3270"/>
+                </a:lnTo>
+                <a:lnTo>
+                  <a:pt x="1127" y="3272"/>
+                </a:lnTo>
+                <a:lnTo>
+                  <a:pt x="1133" y="3275"/>
+                </a:lnTo>
+                <a:lnTo>
+                  <a:pt x="1139" y="3278"/>
+                </a:lnTo>
+                <a:lnTo>
+                  <a:pt x="1144" y="3278"/>
+                </a:lnTo>
+                <a:lnTo>
+                  <a:pt x="1150" y="3278"/>
+                </a:lnTo>
+                <a:lnTo>
+                  <a:pt x="1155" y="3275"/>
+                </a:lnTo>
+                <a:lnTo>
+                  <a:pt x="1161" y="3272"/>
+                </a:lnTo>
+                <a:lnTo>
+                  <a:pt x="1165" y="3270"/>
+                </a:lnTo>
+                <a:lnTo>
+                  <a:pt x="1345" y="3090"/>
+                </a:lnTo>
+                <a:lnTo>
+                  <a:pt x="5760" y="3090"/>
+                </a:lnTo>
+                <a:lnTo>
+                  <a:pt x="5760" y="0"/>
+                </a:lnTo>
+                <a:close/>
+              </a:path>
+            </a:pathLst>
+          </a:custGeom>
+          <a:ln/>
+          <a:effectLst/>
+          <a:extLst>
+            <a:ext uri="{91240B29-F687-4f45-9708-019B960494DF}">
+              <a14:hiddenLine xmlns="" xmlns:a16="http://schemas.microsoft.com/office/drawing/2014/main" xmlns:p14="http://schemas.microsoft.com/office/powerpoint/2010/main" xmlns:a14="http://schemas.microsoft.com/office/drawing/2010/main" w="9525">
+                <a:solidFill>
+                  <a:srgbClr val="000000"/>
+                </a:solidFill>
+                <a:round/>
+                <a:headEnd/>
+                <a:tailEnd/>
+              </a14:hiddenLine>
+            </a:ext>
+          </a:extLst>
+        </p:spPr>
+        <p:style>
+          <a:lnRef idx="1">
+            <a:schemeClr val="accent1"/>
+          </a:lnRef>
+          <a:fillRef idx="3">
+            <a:schemeClr val="accent1"/>
+          </a:fillRef>
+          <a:effectRef idx="2">
+            <a:schemeClr val="accent1"/>
+          </a:effectRef>
+          <a:fontRef idx="minor">
+            <a:schemeClr val="lt1"/>
+          </a:fontRef>
+        </p:style>
+      </p:sp>
+      <p:sp useBgFill="1">
+        <p:nvSpPr>
+          <p:cNvPr id="12" name="Rectangle 11">
+            <a:extLst>
+              <a:ext uri="{FF2B5EF4-FFF2-40B4-BE49-F238E27FC236}">
+                <a16:creationId xmlns:a16="http://schemas.microsoft.com/office/drawing/2014/main" id="{54047A07-72EC-41BC-A55F-C264F639FB20}"/>
+              </a:ext>
+              <a:ext uri="{C183D7F6-B498-43B3-948B-1728B52AA6E4}">
+                <adec:decorative xmlns:adec="http://schemas.microsoft.com/office/drawing/2017/decorative" val="1"/>
+              </a:ext>
+            </a:extLst>
+          </p:cNvPr>
+          <p:cNvSpPr>
+            <a:spLocks noGrp="1" noRot="1" noChangeAspect="1" noMove="1" noResize="1" noEditPoints="1" noAdjustHandles="1" noChangeArrowheads="1" noChangeShapeType="1" noTextEdit="1"/>
+          </p:cNvSpPr>
+          <p:nvPr>
+            <p:extLst>
+              <p:ext uri="{386F3935-93C4-4BCD-93E2-E3B085C9AB24}">
+                <p16:designElem xmlns:p16="http://schemas.microsoft.com/office/powerpoint/2015/main" val="1"/>
+              </p:ext>
+            </p:extLst>
+          </p:nvPr>
+        </p:nvSpPr>
+        <p:spPr>
+          <a:xfrm>
+            <a:off x="0" y="0"/>
+            <a:ext cx="12192000" cy="6858000"/>
+          </a:xfrm>
+          <a:prstGeom prst="rect">
+            <a:avLst/>
+          </a:prstGeom>
+          <a:ln>
+            <a:noFill/>
+          </a:ln>
+        </p:spPr>
+        <p:style>
+          <a:lnRef idx="2">
+            <a:schemeClr val="accent1">
+              <a:shade val="50000"/>
+            </a:schemeClr>
+          </a:lnRef>
+          <a:fillRef idx="1">
+            <a:schemeClr val="accent1"/>
+          </a:fillRef>
+          <a:effectRef idx="0">
+            <a:schemeClr val="accent1"/>
+          </a:effectRef>
+          <a:fontRef idx="minor">
+            <a:schemeClr val="lt1"/>
+          </a:fontRef>
+        </p:style>
+        <p:txBody>
+          <a:bodyPr rtlCol="0" anchor="ctr"/>
+          <a:lstStyle/>
+          <a:p>
+            <a:pPr algn="ctr"/>
+            <a:endParaRPr lang="en-US"/>
+          </a:p>
+        </p:txBody>
+      </p:sp>
+      <p:sp>
+        <p:nvSpPr>
+          <p:cNvPr id="2" name="Título 1">
+            <a:extLst>
+              <a:ext uri="{FF2B5EF4-FFF2-40B4-BE49-F238E27FC236}">
+                <a16:creationId xmlns:a16="http://schemas.microsoft.com/office/drawing/2014/main" id="{E4A684AB-37EA-4E0F-B80E-670A900E0863}"/>
+              </a:ext>
+            </a:extLst>
+          </p:cNvPr>
+          <p:cNvSpPr>
+            <a:spLocks noGrp="1"/>
+          </p:cNvSpPr>
+          <p:nvPr>
+            <p:ph type="title"/>
+          </p:nvPr>
+        </p:nvSpPr>
+        <p:spPr>
+          <a:xfrm>
+            <a:off x="810001" y="1449147"/>
+            <a:ext cx="10572000" cy="3732453"/>
+          </a:xfrm>
+        </p:spPr>
+        <p:txBody>
+          <a:bodyPr vert="horz" lIns="91440" tIns="45720" rIns="91440" bIns="45720" rtlCol="0" anchor="b">
+            <a:normAutofit/>
+          </a:bodyPr>
+          <a:lstStyle/>
+          <a:p>
+            <a:br>
+              <a:rPr lang="en-US" sz="5400"/>
+            </a:br>
+            <a:endParaRPr lang="en-US" sz="5400"/>
+          </a:p>
+        </p:txBody>
+      </p:sp>
+      <p:pic>
+        <p:nvPicPr>
+          <p:cNvPr id="7" name="Imagem 6" descr="Mapa com linhas pretas em fundo branco&#10;&#10;Descrição gerada automaticamente">
+            <a:extLst>
+              <a:ext uri="{FF2B5EF4-FFF2-40B4-BE49-F238E27FC236}">
+                <a16:creationId xmlns:a16="http://schemas.microsoft.com/office/drawing/2014/main" id="{1D05B020-0679-466A-BE1A-23D48300F2FC}"/>
+              </a:ext>
+            </a:extLst>
+          </p:cNvPr>
+          <p:cNvPicPr>
+            <a:picLocks noChangeAspect="1"/>
+          </p:cNvPicPr>
+          <p:nvPr/>
+        </p:nvPicPr>
+        <p:blipFill>
+          <a:blip r:embed="rId2"/>
+          <a:stretch>
+            <a:fillRect/>
+          </a:stretch>
+        </p:blipFill>
+        <p:spPr>
+          <a:xfrm>
+            <a:off x="0" y="0"/>
+            <a:ext cx="12192000" cy="6858000"/>
+          </a:xfrm>
+          <a:prstGeom prst="rect">
+            <a:avLst/>
+          </a:prstGeom>
+        </p:spPr>
+      </p:pic>
+    </p:spTree>
+    <p:extLst>
+      <p:ext uri="{BB962C8B-B14F-4D97-AF65-F5344CB8AC3E}">
+        <p14:creationId xmlns:p14="http://schemas.microsoft.com/office/powerpoint/2010/main" val="1326319019"/>
+      </p:ext>
+    </p:extLst>
+  </p:cSld>
+  <p:clrMapOvr>
+    <a:masterClrMapping/>
+  </p:clrMapOvr>
+  <p:transition spd="slow">
+    <p:cover/>
+  </p:transition>
+</p:sld>
+</file>
+
+<file path=ppt/slides/slide9.xml><?xml version="1.0" encoding="utf-8"?>
+<p:sld xmlns:a="http://schemas.openxmlformats.org/drawingml/2006/main" xmlns:r="http://schemas.openxmlformats.org/officeDocument/2006/relationships" xmlns:p="http://schemas.openxmlformats.org/presentationml/2006/main">
+  <p:cSld>
+    <p:bg>
+      <p:bgPr>
+        <a:solidFill>
           <a:schemeClr val="bg1"/>
         </a:solidFill>
         <a:effectLst/>
@@ -14384,7 +15160,7 @@
           <a:effectLst/>
           <a:extLst>
             <a:ext uri="{91240B29-F687-4f45-9708-019B960494DF}">
-              <a14:hiddenLine xmlns:a16="http://schemas.microsoft.com/office/drawing/2014/main" xmlns:a14="http://schemas.microsoft.com/office/drawing/2010/main" xmlns="" w="9525">
+              <a14:hiddenLine xmlns="" xmlns:a14="http://schemas.microsoft.com/office/drawing/2010/main" xmlns:a16="http://schemas.microsoft.com/office/drawing/2014/main" w="9525">
                 <a:solidFill>
                   <a:srgbClr val="000000"/>
                 </a:solidFill>
@@ -14716,7 +15492,7 @@
           <a:effectLst/>
           <a:extLst>
             <a:ext uri="{91240B29-F687-4f45-9708-019B960494DF}">
-              <a14:hiddenLine xmlns:a14="http://schemas.microsoft.com/office/drawing/2010/main" xmlns:p14="http://schemas.microsoft.com/office/powerpoint/2010/main" xmlns:a16="http://schemas.microsoft.com/office/drawing/2014/main" xmlns="" w="9525">
+              <a14:hiddenLine xmlns="" xmlns:a16="http://schemas.microsoft.com/office/drawing/2014/main" xmlns:p14="http://schemas.microsoft.com/office/powerpoint/2010/main" xmlns:a14="http://schemas.microsoft.com/office/drawing/2010/main" w="9525">
                 <a:solidFill>
                   <a:srgbClr val="000000"/>
                 </a:solidFill>
@@ -14882,494 +15658,6 @@
     </p:tnLst>
     <p:bldLst>
       <p:bldP spid="2" grpId="0"/>
-    </p:bldLst>
-  </p:timing>
-</p:sld>
-</file>
-
-<file path=ppt/slides/slide9.xml><?xml version="1.0" encoding="utf-8"?>
-<p:sld xmlns:a="http://schemas.openxmlformats.org/drawingml/2006/main" xmlns:r="http://schemas.openxmlformats.org/officeDocument/2006/relationships" xmlns:p="http://schemas.openxmlformats.org/presentationml/2006/main">
-  <p:cSld>
-    <p:bg>
-      <p:bgPr>
-        <a:solidFill>
-          <a:schemeClr val="bg1"/>
-        </a:solidFill>
-        <a:effectLst/>
-      </p:bgPr>
-    </p:bg>
-    <p:spTree>
-      <p:nvGrpSpPr>
-        <p:cNvPr id="1" name=""/>
-        <p:cNvGrpSpPr/>
-        <p:nvPr/>
-      </p:nvGrpSpPr>
-      <p:grpSpPr>
-        <a:xfrm>
-          <a:off x="0" y="0"/>
-          <a:ext cx="0" cy="0"/>
-          <a:chOff x="0" y="0"/>
-          <a:chExt cx="0" cy="0"/>
-        </a:xfrm>
-      </p:grpSpPr>
-      <p:sp>
-        <p:nvSpPr>
-          <p:cNvPr id="2" name="Título 1">
-            <a:extLst>
-              <a:ext uri="{FF2B5EF4-FFF2-40B4-BE49-F238E27FC236}">
-                <a16:creationId xmlns:a16="http://schemas.microsoft.com/office/drawing/2014/main" id="{D1B1195E-BE4D-4653-BD88-8D2CC20456BB}"/>
-              </a:ext>
-            </a:extLst>
-          </p:cNvPr>
-          <p:cNvSpPr>
-            <a:spLocks noGrp="1"/>
-          </p:cNvSpPr>
-          <p:nvPr>
-            <p:ph type="title"/>
-          </p:nvPr>
-        </p:nvSpPr>
-        <p:spPr>
-          <a:xfrm>
-            <a:off x="965199" y="0"/>
-            <a:ext cx="10261602" cy="1422907"/>
-          </a:xfrm>
-          <a:effectLst/>
-        </p:spPr>
-        <p:txBody>
-          <a:bodyPr vert="horz" lIns="91440" tIns="45720" rIns="91440" bIns="45720" rtlCol="0" anchor="b">
-            <a:normAutofit/>
-          </a:bodyPr>
-          <a:lstStyle/>
-          <a:p>
-            <a:pPr algn="ctr"/>
-            <a:r>
-              <a:rPr lang="en-US" sz="7200" dirty="0" err="1">
-                <a:solidFill>
-                  <a:schemeClr val="tx1"/>
-                </a:solidFill>
-              </a:rPr>
-              <a:t>Protótipo</a:t>
-            </a:r>
-            <a:r>
-              <a:rPr lang="en-US" sz="7200" dirty="0">
-                <a:solidFill>
-                  <a:schemeClr val="tx1"/>
-                </a:solidFill>
-              </a:rPr>
-              <a:t> do site</a:t>
-            </a:r>
-          </a:p>
-        </p:txBody>
-      </p:sp>
-      <p:sp>
-        <p:nvSpPr>
-          <p:cNvPr id="4" name="CaixaDeTexto 3">
-            <a:extLst>
-              <a:ext uri="{FF2B5EF4-FFF2-40B4-BE49-F238E27FC236}">
-                <a16:creationId xmlns:a16="http://schemas.microsoft.com/office/drawing/2014/main" id="{38DCCAF8-5D3D-4678-8C85-75BF85832AF7}"/>
-              </a:ext>
-            </a:extLst>
-          </p:cNvPr>
-          <p:cNvSpPr txBox="1"/>
-          <p:nvPr/>
-        </p:nvSpPr>
-        <p:spPr>
-          <a:xfrm>
-            <a:off x="1906955" y="4033164"/>
-            <a:ext cx="8378090" cy="1181206"/>
-          </a:xfrm>
-          <a:prstGeom prst="rect">
-            <a:avLst/>
-          </a:prstGeom>
-          <a:effectLst/>
-        </p:spPr>
-        <p:txBody>
-          <a:bodyPr vert="horz" lIns="91440" tIns="45720" rIns="91440" bIns="45720" rtlCol="0" anchor="t">
-            <a:normAutofit/>
-          </a:bodyPr>
-          <a:lstStyle/>
-          <a:p>
-            <a:pPr algn="ctr">
-              <a:spcBef>
-                <a:spcPct val="20000"/>
-              </a:spcBef>
-              <a:spcAft>
-                <a:spcPts val="600"/>
-              </a:spcAft>
-              <a:buClr>
-                <a:schemeClr val="accent1"/>
-              </a:buClr>
-            </a:pPr>
-            <a:r>
-              <a:rPr lang="en-US" sz="2000" b="1" dirty="0">
-                <a:hlinkClick r:id="rId2">
-                  <a:extLst>
-                    <a:ext uri="{A12FA001-AC4F-418D-AE19-62706E023703}">
-                      <ahyp:hlinkClr xmlns:ahyp="http://schemas.microsoft.com/office/drawing/2018/hyperlinkcolor" val="tx"/>
-                    </a:ext>
-                  </a:extLst>
-                </a:hlinkClick>
-              </a:rPr>
-              <a:t>Clique </a:t>
-            </a:r>
-            <a:r>
-              <a:rPr lang="en-US" sz="2000" b="1" dirty="0" err="1">
-                <a:hlinkClick r:id="rId2">
-                  <a:extLst>
-                    <a:ext uri="{A12FA001-AC4F-418D-AE19-62706E023703}">
-                      <ahyp:hlinkClr xmlns:ahyp="http://schemas.microsoft.com/office/drawing/2018/hyperlinkcolor" val="tx"/>
-                    </a:ext>
-                  </a:extLst>
-                </a:hlinkClick>
-              </a:rPr>
-              <a:t>aqui</a:t>
-            </a:r>
-            <a:r>
-              <a:rPr lang="en-US" sz="2000" b="1" dirty="0">
-                <a:hlinkClick r:id="rId2">
-                  <a:extLst>
-                    <a:ext uri="{A12FA001-AC4F-418D-AE19-62706E023703}">
-                      <ahyp:hlinkClr xmlns:ahyp="http://schemas.microsoft.com/office/drawing/2018/hyperlinkcolor" val="tx"/>
-                    </a:ext>
-                  </a:extLst>
-                </a:hlinkClick>
-              </a:rPr>
-              <a:t> para </a:t>
-            </a:r>
-            <a:r>
-              <a:rPr lang="en-US" sz="2000" b="1" dirty="0" err="1">
-                <a:hlinkClick r:id="rId2">
-                  <a:extLst>
-                    <a:ext uri="{A12FA001-AC4F-418D-AE19-62706E023703}">
-                      <ahyp:hlinkClr xmlns:ahyp="http://schemas.microsoft.com/office/drawing/2018/hyperlinkcolor" val="tx"/>
-                    </a:ext>
-                  </a:extLst>
-                </a:hlinkClick>
-              </a:rPr>
-              <a:t>ver</a:t>
-            </a:r>
-            <a:r>
-              <a:rPr lang="en-US" sz="2000" b="1" dirty="0">
-                <a:hlinkClick r:id="rId2">
-                  <a:extLst>
-                    <a:ext uri="{A12FA001-AC4F-418D-AE19-62706E023703}">
-                      <ahyp:hlinkClr xmlns:ahyp="http://schemas.microsoft.com/office/drawing/2018/hyperlinkcolor" val="tx"/>
-                    </a:ext>
-                  </a:extLst>
-                </a:hlinkClick>
-              </a:rPr>
-              <a:t> o site</a:t>
-            </a:r>
-            <a:endParaRPr lang="en-US" sz="2000" b="1" dirty="0"/>
-          </a:p>
-        </p:txBody>
-      </p:sp>
-      <p:pic>
-        <p:nvPicPr>
-          <p:cNvPr id="6" name="Gráfico 5" descr="Cursor">
-            <a:extLst>
-              <a:ext uri="{FF2B5EF4-FFF2-40B4-BE49-F238E27FC236}">
-                <a16:creationId xmlns:a16="http://schemas.microsoft.com/office/drawing/2014/main" id="{AD4EA5F9-302E-4AFA-9441-4E1A278D7695}"/>
-              </a:ext>
-            </a:extLst>
-          </p:cNvPr>
-          <p:cNvPicPr>
-            <a:picLocks noChangeAspect="1"/>
-          </p:cNvPicPr>
-          <p:nvPr/>
-        </p:nvPicPr>
-        <p:blipFill>
-          <a:blip r:embed="rId3">
-            <a:extLst>
-              <a:ext uri="{96DAC541-7B7A-43D3-8B79-37D633B846F1}">
-                <asvg:svgBlip xmlns:asvg="http://schemas.microsoft.com/office/drawing/2016/SVG/main" r:embed="rId4"/>
-              </a:ext>
-            </a:extLst>
-          </a:blip>
-          <a:stretch>
-            <a:fillRect/>
-          </a:stretch>
-        </p:blipFill>
-        <p:spPr>
-          <a:xfrm>
-            <a:off x="10040281" y="5346401"/>
-            <a:ext cx="914400" cy="914400"/>
-          </a:xfrm>
-          <a:prstGeom prst="rect">
-            <a:avLst/>
-          </a:prstGeom>
-        </p:spPr>
-      </p:pic>
-    </p:spTree>
-    <p:extLst>
-      <p:ext uri="{BB962C8B-B14F-4D97-AF65-F5344CB8AC3E}">
-        <p14:creationId xmlns:p14="http://schemas.microsoft.com/office/powerpoint/2010/main" val="2412284155"/>
-      </p:ext>
-    </p:extLst>
-  </p:cSld>
-  <p:clrMapOvr>
-    <a:overrideClrMapping bg1="lt1" tx1="dk1" bg2="lt2" tx2="dk2" accent1="accent1" accent2="accent2" accent3="accent3" accent4="accent4" accent5="accent5" accent6="accent6" hlink="hlink" folHlink="folHlink"/>
-  </p:clrMapOvr>
-  <p:timing>
-    <p:tnLst>
-      <p:par>
-        <p:cTn id="1" dur="indefinite" restart="never" nodeType="tmRoot">
-          <p:childTnLst>
-            <p:seq concurrent="1" nextAc="seek">
-              <p:cTn id="2" dur="indefinite" nodeType="mainSeq">
-                <p:childTnLst>
-                  <p:par>
-                    <p:cTn id="3" fill="hold">
-                      <p:stCondLst>
-                        <p:cond delay="indefinite"/>
-                      </p:stCondLst>
-                      <p:childTnLst>
-                        <p:par>
-                          <p:cTn id="4" fill="hold">
-                            <p:stCondLst>
-                              <p:cond delay="0"/>
-                            </p:stCondLst>
-                            <p:childTnLst>
-                              <p:par>
-                                <p:cTn id="5" presetID="42" presetClass="entr" presetSubtype="0" fill="hold" grpId="0" nodeType="clickEffect">
-                                  <p:stCondLst>
-                                    <p:cond delay="0"/>
-                                  </p:stCondLst>
-                                  <p:childTnLst>
-                                    <p:set>
-                                      <p:cBhvr>
-                                        <p:cTn id="6" dur="1" fill="hold">
-                                          <p:stCondLst>
-                                            <p:cond delay="0"/>
-                                          </p:stCondLst>
-                                        </p:cTn>
-                                        <p:tgtEl>
-                                          <p:spTgt spid="2"/>
-                                        </p:tgtEl>
-                                        <p:attrNameLst>
-                                          <p:attrName>style.visibility</p:attrName>
-                                        </p:attrNameLst>
-                                      </p:cBhvr>
-                                      <p:to>
-                                        <p:strVal val="visible"/>
-                                      </p:to>
-                                    </p:set>
-                                    <p:animEffect transition="in" filter="fade">
-                                      <p:cBhvr>
-                                        <p:cTn id="7" dur="1000"/>
-                                        <p:tgtEl>
-                                          <p:spTgt spid="2"/>
-                                        </p:tgtEl>
-                                      </p:cBhvr>
-                                    </p:animEffect>
-                                    <p:anim calcmode="lin" valueType="num">
-                                      <p:cBhvr>
-                                        <p:cTn id="8" dur="1000" fill="hold"/>
-                                        <p:tgtEl>
-                                          <p:spTgt spid="2"/>
-                                        </p:tgtEl>
-                                        <p:attrNameLst>
-                                          <p:attrName>ppt_x</p:attrName>
-                                        </p:attrNameLst>
-                                      </p:cBhvr>
-                                      <p:tavLst>
-                                        <p:tav tm="0">
-                                          <p:val>
-                                            <p:strVal val="#ppt_x"/>
-                                          </p:val>
-                                        </p:tav>
-                                        <p:tav tm="100000">
-                                          <p:val>
-                                            <p:strVal val="#ppt_x"/>
-                                          </p:val>
-                                        </p:tav>
-                                      </p:tavLst>
-                                    </p:anim>
-                                    <p:anim calcmode="lin" valueType="num">
-                                      <p:cBhvr>
-                                        <p:cTn id="9" dur="1000" fill="hold"/>
-                                        <p:tgtEl>
-                                          <p:spTgt spid="2"/>
-                                        </p:tgtEl>
-                                        <p:attrNameLst>
-                                          <p:attrName>ppt_y</p:attrName>
-                                        </p:attrNameLst>
-                                      </p:cBhvr>
-                                      <p:tavLst>
-                                        <p:tav tm="0">
-                                          <p:val>
-                                            <p:strVal val="#ppt_y+.1"/>
-                                          </p:val>
-                                        </p:tav>
-                                        <p:tav tm="100000">
-                                          <p:val>
-                                            <p:strVal val="#ppt_y"/>
-                                          </p:val>
-                                        </p:tav>
-                                      </p:tavLst>
-                                    </p:anim>
-                                  </p:childTnLst>
-                                </p:cTn>
-                              </p:par>
-                            </p:childTnLst>
-                          </p:cTn>
-                        </p:par>
-                      </p:childTnLst>
-                    </p:cTn>
-                  </p:par>
-                  <p:par>
-                    <p:cTn id="10" fill="hold">
-                      <p:stCondLst>
-                        <p:cond delay="indefinite"/>
-                      </p:stCondLst>
-                      <p:childTnLst>
-                        <p:par>
-                          <p:cTn id="11" fill="hold">
-                            <p:stCondLst>
-                              <p:cond delay="0"/>
-                            </p:stCondLst>
-                            <p:childTnLst>
-                              <p:par>
-                                <p:cTn id="12" presetID="42" presetClass="entr" presetSubtype="0" fill="hold" grpId="0" nodeType="clickEffect">
-                                  <p:stCondLst>
-                                    <p:cond delay="0"/>
-                                  </p:stCondLst>
-                                  <p:childTnLst>
-                                    <p:set>
-                                      <p:cBhvr>
-                                        <p:cTn id="13" dur="1" fill="hold">
-                                          <p:stCondLst>
-                                            <p:cond delay="0"/>
-                                          </p:stCondLst>
-                                        </p:cTn>
-                                        <p:tgtEl>
-                                          <p:spTgt spid="4"/>
-                                        </p:tgtEl>
-                                        <p:attrNameLst>
-                                          <p:attrName>style.visibility</p:attrName>
-                                        </p:attrNameLst>
-                                      </p:cBhvr>
-                                      <p:to>
-                                        <p:strVal val="visible"/>
-                                      </p:to>
-                                    </p:set>
-                                    <p:animEffect transition="in" filter="fade">
-                                      <p:cBhvr>
-                                        <p:cTn id="14" dur="1000"/>
-                                        <p:tgtEl>
-                                          <p:spTgt spid="4"/>
-                                        </p:tgtEl>
-                                      </p:cBhvr>
-                                    </p:animEffect>
-                                    <p:anim calcmode="lin" valueType="num">
-                                      <p:cBhvr>
-                                        <p:cTn id="15" dur="1000" fill="hold"/>
-                                        <p:tgtEl>
-                                          <p:spTgt spid="4"/>
-                                        </p:tgtEl>
-                                        <p:attrNameLst>
-                                          <p:attrName>ppt_x</p:attrName>
-                                        </p:attrNameLst>
-                                      </p:cBhvr>
-                                      <p:tavLst>
-                                        <p:tav tm="0">
-                                          <p:val>
-                                            <p:strVal val="#ppt_x"/>
-                                          </p:val>
-                                        </p:tav>
-                                        <p:tav tm="100000">
-                                          <p:val>
-                                            <p:strVal val="#ppt_x"/>
-                                          </p:val>
-                                        </p:tav>
-                                      </p:tavLst>
-                                    </p:anim>
-                                    <p:anim calcmode="lin" valueType="num">
-                                      <p:cBhvr>
-                                        <p:cTn id="16" dur="1000" fill="hold"/>
-                                        <p:tgtEl>
-                                          <p:spTgt spid="4"/>
-                                        </p:tgtEl>
-                                        <p:attrNameLst>
-                                          <p:attrName>ppt_y</p:attrName>
-                                        </p:attrNameLst>
-                                      </p:cBhvr>
-                                      <p:tavLst>
-                                        <p:tav tm="0">
-                                          <p:val>
-                                            <p:strVal val="#ppt_y+.1"/>
-                                          </p:val>
-                                        </p:tav>
-                                        <p:tav tm="100000">
-                                          <p:val>
-                                            <p:strVal val="#ppt_y"/>
-                                          </p:val>
-                                        </p:tav>
-                                      </p:tavLst>
-                                    </p:anim>
-                                  </p:childTnLst>
-                                </p:cTn>
-                              </p:par>
-                            </p:childTnLst>
-                          </p:cTn>
-                        </p:par>
-                        <p:par>
-                          <p:cTn id="17" fill="hold">
-                            <p:stCondLst>
-                              <p:cond delay="1000"/>
-                            </p:stCondLst>
-                            <p:childTnLst>
-                              <p:par>
-                                <p:cTn id="18" presetID="0" presetClass="path" presetSubtype="0" accel="50000" decel="50000" fill="hold" nodeType="afterEffect">
-                                  <p:stCondLst>
-                                    <p:cond delay="0"/>
-                                  </p:stCondLst>
-                                  <p:childTnLst>
-                                    <p:animMotion origin="layout" path="M -0.04193 -0.00486 L -0.04193 -0.00486 C -0.05768 0.00555 -0.0474 3.7037E-6 -0.0806 -0.00232 C -0.08138 -0.00232 -0.08203 -0.00324 -0.08281 -0.00371 C -0.08373 -0.00417 -0.08464 -0.00463 -0.08568 -0.00486 C -0.08737 -0.00556 -0.08906 -0.00579 -0.09076 -0.00625 C -0.09193 -0.00718 -0.0931 -0.00811 -0.0944 -0.0088 C -0.09558 -0.00949 -0.09688 -0.00949 -0.09805 -0.01019 C -0.09909 -0.01065 -0.1 -0.01204 -0.10091 -0.01274 C -0.10235 -0.01366 -0.10404 -0.01389 -0.10534 -0.01528 C -0.10729 -0.0176 -0.10808 -0.01875 -0.11042 -0.02037 C -0.11263 -0.02199 -0.11628 -0.02361 -0.11836 -0.0257 C -0.12578 -0.03287 -0.11992 -0.02963 -0.12565 -0.03218 C -0.12904 -0.03797 -0.12487 -0.03102 -0.13008 -0.03866 C -0.1306 -0.03936 -0.13086 -0.04074 -0.13151 -0.04121 C -0.13294 -0.04236 -0.13594 -0.04375 -0.13594 -0.04375 C -0.13685 -0.04514 -0.13789 -0.0463 -0.1388 -0.04769 C -0.13933 -0.04838 -0.13972 -0.04954 -0.14024 -0.05024 C -0.14089 -0.05116 -0.1418 -0.05186 -0.14245 -0.05278 C -0.14297 -0.05371 -0.14336 -0.05463 -0.14388 -0.05556 C -0.14531 -0.05741 -0.14701 -0.05834 -0.14831 -0.06065 C -0.14948 -0.06274 -0.15052 -0.06551 -0.15196 -0.06713 C -0.15339 -0.06875 -0.15508 -0.07014 -0.15625 -0.07223 C -0.15677 -0.07315 -0.15716 -0.07408 -0.15768 -0.07477 C -0.15847 -0.07593 -0.15925 -0.07639 -0.1599 -0.07755 C -0.16068 -0.07871 -0.16133 -0.0801 -0.16211 -0.08125 C -0.16276 -0.08241 -0.16354 -0.08287 -0.16433 -0.08403 C -0.16537 -0.08542 -0.16641 -0.08704 -0.16719 -0.08912 C -0.16771 -0.09051 -0.16797 -0.0919 -0.16862 -0.09306 C -0.16953 -0.09422 -0.17058 -0.09468 -0.17149 -0.09561 L -0.17735 -0.10602 L -0.17956 -0.10996 L -0.18177 -0.11366 C -0.18216 -0.11551 -0.18268 -0.11713 -0.18321 -0.11899 C -0.1836 -0.12037 -0.18425 -0.1213 -0.18464 -0.12269 C -0.18503 -0.12408 -0.18503 -0.12547 -0.18542 -0.12662 C -0.1862 -0.1294 -0.18737 -0.13195 -0.18828 -0.13449 C -0.1888 -0.13565 -0.18946 -0.13681 -0.18972 -0.13843 C -0.19076 -0.14399 -0.18998 -0.14121 -0.19271 -0.14607 C -0.19453 -0.15579 -0.19206 -0.14375 -0.19479 -0.15394 C -0.19518 -0.1551 -0.19505 -0.15672 -0.19558 -0.15787 C -0.1961 -0.15903 -0.19701 -0.15949 -0.19779 -0.16042 C -0.19961 -0.17014 -0.19714 -0.15811 -0.19987 -0.16806 C -0.20026 -0.16945 -0.20026 -0.17084 -0.20065 -0.17199 C -0.20156 -0.17477 -0.203 -0.17686 -0.20352 -0.17986 C -0.20469 -0.18542 -0.20378 -0.18264 -0.20651 -0.1875 C -0.2086 -0.19861 -0.20573 -0.18519 -0.20873 -0.19399 C -0.21146 -0.20232 -0.20716 -0.19399 -0.21081 -0.20047 C -0.21172 -0.20486 -0.21107 -0.20348 -0.21224 -0.20556 " pathEditMode="relative" ptsTypes="AAAAAAAAAAAAAAAAAAAAAAAAAAAAAAAAAAAAAAAAAAAAAAAAA">
-                                      <p:cBhvr>
-                                        <p:cTn id="19" dur="2000" fill="hold"/>
-                                        <p:tgtEl>
-                                          <p:spTgt spid="6"/>
-                                        </p:tgtEl>
-                                        <p:attrNameLst>
-                                          <p:attrName>ppt_x</p:attrName>
-                                          <p:attrName>ppt_y</p:attrName>
-                                        </p:attrNameLst>
-                                      </p:cBhvr>
-                                    </p:animMotion>
-                                  </p:childTnLst>
-                                </p:cTn>
-                              </p:par>
-                            </p:childTnLst>
-                          </p:cTn>
-                        </p:par>
-                      </p:childTnLst>
-                    </p:cTn>
-                  </p:par>
-                </p:childTnLst>
-              </p:cTn>
-              <p:prevCondLst>
-                <p:cond evt="onPrev" delay="0">
-                  <p:tgtEl>
-                    <p:sldTgt/>
-                  </p:tgtEl>
-                </p:cond>
-              </p:prevCondLst>
-              <p:nextCondLst>
-                <p:cond evt="onNext" delay="0">
-                  <p:tgtEl>
-                    <p:sldTgt/>
-                  </p:tgtEl>
-                </p:cond>
-              </p:nextCondLst>
-            </p:seq>
-          </p:childTnLst>
-        </p:cTn>
-      </p:par>
-    </p:tnLst>
-    <p:bldLst>
-      <p:bldP spid="2" grpId="0"/>
-      <p:bldP spid="4" grpId="0"/>
     </p:bldLst>
   </p:timing>
 </p:sld>

--- a/Apresentação/SPRINT-HUMILDIFICADORES.pptx
+++ b/Apresentação/SPRINT-HUMILDIFICADORES.pptx
@@ -13,9 +13,10 @@
     <p:sldId id="262" r:id="rId7"/>
     <p:sldId id="263" r:id="rId8"/>
     <p:sldId id="266" r:id="rId9"/>
-    <p:sldId id="265" r:id="rId10"/>
-    <p:sldId id="260" r:id="rId11"/>
-    <p:sldId id="261" r:id="rId12"/>
+    <p:sldId id="267" r:id="rId10"/>
+    <p:sldId id="265" r:id="rId11"/>
+    <p:sldId id="260" r:id="rId12"/>
+    <p:sldId id="261" r:id="rId13"/>
   </p:sldIdLst>
   <p:sldSz cx="12192000" cy="6858000"/>
   <p:notesSz cx="6858000" cy="9144000"/>
@@ -2853,7 +2854,7 @@
           <a:effectLst/>
           <a:extLst>
             <a:ext uri="{91240B29-F687-4f45-9708-019B960494DF}">
-              <a14:hiddenLine xmlns:a14="http://schemas.microsoft.com/office/drawing/2010/main" xmlns="" w="9525">
+              <a14:hiddenLine xmlns="" xmlns:a14="http://schemas.microsoft.com/office/drawing/2010/main" w="9525">
                 <a:solidFill>
                   <a:srgbClr val="000000"/>
                 </a:solidFill>
@@ -4383,7 +4384,7 @@
           <a:ln/>
           <a:extLst>
             <a:ext uri="{91240B29-F687-4f45-9708-019B960494DF}">
-              <a14:hiddenLine xmlns:a14="http://schemas.microsoft.com/office/drawing/2010/main" xmlns="" w="9525">
+              <a14:hiddenLine xmlns="" xmlns:a14="http://schemas.microsoft.com/office/drawing/2010/main" w="9525">
                 <a:solidFill>
                   <a:srgbClr val="000000"/>
                 </a:solidFill>
@@ -4660,7 +4661,7 @@
           <a:ln/>
           <a:extLst>
             <a:ext uri="{91240B29-F687-4f45-9708-019B960494DF}">
-              <a14:hiddenLine xmlns:a14="http://schemas.microsoft.com/office/drawing/2010/main" xmlns="" w="9525">
+              <a14:hiddenLine xmlns="" xmlns:a14="http://schemas.microsoft.com/office/drawing/2010/main" w="9525">
                 <a:solidFill>
                   <a:srgbClr val="000000"/>
                 </a:solidFill>
@@ -4945,7 +4946,7 @@
           <a:ln/>
           <a:extLst>
             <a:ext uri="{91240B29-F687-4f45-9708-019B960494DF}">
-              <a14:hiddenLine xmlns:a14="http://schemas.microsoft.com/office/drawing/2010/main" xmlns="" w="9525">
+              <a14:hiddenLine xmlns="" xmlns:a14="http://schemas.microsoft.com/office/drawing/2010/main" w="9525">
                 <a:solidFill>
                   <a:srgbClr val="000000"/>
                 </a:solidFill>
@@ -5575,7 +5576,7 @@
           <a:ln/>
           <a:extLst>
             <a:ext uri="{91240B29-F687-4f45-9708-019B960494DF}">
-              <a14:hiddenLine xmlns:a14="http://schemas.microsoft.com/office/drawing/2010/main" xmlns="" w="9525">
+              <a14:hiddenLine xmlns="" xmlns:a14="http://schemas.microsoft.com/office/drawing/2010/main" w="9525">
                 <a:solidFill>
                   <a:srgbClr val="000000"/>
                 </a:solidFill>
@@ -5916,7 +5917,7 @@
           <a:ln/>
           <a:extLst>
             <a:ext uri="{91240B29-F687-4f45-9708-019B960494DF}">
-              <a14:hiddenLine xmlns:a14="http://schemas.microsoft.com/office/drawing/2010/main" xmlns="" w="9525">
+              <a14:hiddenLine xmlns="" xmlns:a14="http://schemas.microsoft.com/office/drawing/2010/main" w="9525">
                 <a:solidFill>
                   <a:srgbClr val="000000"/>
                 </a:solidFill>
@@ -6395,7 +6396,7 @@
           <a:ln/>
           <a:extLst>
             <a:ext uri="{91240B29-F687-4f45-9708-019B960494DF}">
-              <a14:hiddenLine xmlns:a14="http://schemas.microsoft.com/office/drawing/2010/main" xmlns="" w="9525">
+              <a14:hiddenLine xmlns="" xmlns:a14="http://schemas.microsoft.com/office/drawing/2010/main" w="9525">
                 <a:solidFill>
                   <a:srgbClr val="000000"/>
                 </a:solidFill>
@@ -6828,7 +6829,7 @@
           <a:ln/>
           <a:extLst>
             <a:ext uri="{91240B29-F687-4f45-9708-019B960494DF}">
-              <a14:hiddenLine xmlns:a14="http://schemas.microsoft.com/office/drawing/2010/main" xmlns="" w="9525">
+              <a14:hiddenLine xmlns="" xmlns:a14="http://schemas.microsoft.com/office/drawing/2010/main" w="9525">
                 <a:solidFill>
                   <a:srgbClr val="000000"/>
                 </a:solidFill>
@@ -9023,6 +9024,629 @@
       </p:grpSpPr>
       <p:sp>
         <p:nvSpPr>
+          <p:cNvPr id="7" name="Freeform 6">
+            <a:extLst>
+              <a:ext uri="{FF2B5EF4-FFF2-40B4-BE49-F238E27FC236}">
+                <a16:creationId xmlns:a16="http://schemas.microsoft.com/office/drawing/2014/main" id="{8775F366-526C-4C42-8931-696FFE8AA517}"/>
+              </a:ext>
+              <a:ext uri="{C183D7F6-B498-43B3-948B-1728B52AA6E4}">
+                <adec:decorative xmlns:adec="http://schemas.microsoft.com/office/drawing/2017/decorative" val="1"/>
+              </a:ext>
+            </a:extLst>
+          </p:cNvPr>
+          <p:cNvSpPr>
+            <a:spLocks noGrp="1" noRot="1" noChangeAspect="1" noMove="1" noResize="1" noEditPoints="1" noAdjustHandles="1" noChangeArrowheads="1" noChangeShapeType="1" noTextEdit="1"/>
+          </p:cNvSpPr>
+          <p:nvPr>
+            <p:extLst>
+              <p:ext uri="{386F3935-93C4-4BCD-93E2-E3B085C9AB24}">
+                <p16:designElem xmlns:p16="http://schemas.microsoft.com/office/powerpoint/2015/main" val="1"/>
+              </p:ext>
+            </p:extLst>
+          </p:nvPr>
+        </p:nvSpPr>
+        <p:spPr bwMode="auto">
+          <a:xfrm>
+            <a:off x="0" y="-3175"/>
+            <a:ext cx="12192000" cy="5203825"/>
+          </a:xfrm>
+          <a:custGeom>
+            <a:avLst/>
+            <a:gdLst/>
+            <a:ahLst/>
+            <a:cxnLst/>
+            <a:rect l="0" t="0" r="r" b="b"/>
+            <a:pathLst>
+              <a:path w="5760" h="3278">
+                <a:moveTo>
+                  <a:pt x="5760" y="0"/>
+                </a:moveTo>
+                <a:lnTo>
+                  <a:pt x="0" y="0"/>
+                </a:lnTo>
+                <a:lnTo>
+                  <a:pt x="0" y="3090"/>
+                </a:lnTo>
+                <a:lnTo>
+                  <a:pt x="943" y="3090"/>
+                </a:lnTo>
+                <a:lnTo>
+                  <a:pt x="1123" y="3270"/>
+                </a:lnTo>
+                <a:lnTo>
+                  <a:pt x="1123" y="3270"/>
+                </a:lnTo>
+                <a:lnTo>
+                  <a:pt x="1127" y="3272"/>
+                </a:lnTo>
+                <a:lnTo>
+                  <a:pt x="1133" y="3275"/>
+                </a:lnTo>
+                <a:lnTo>
+                  <a:pt x="1139" y="3278"/>
+                </a:lnTo>
+                <a:lnTo>
+                  <a:pt x="1144" y="3278"/>
+                </a:lnTo>
+                <a:lnTo>
+                  <a:pt x="1150" y="3278"/>
+                </a:lnTo>
+                <a:lnTo>
+                  <a:pt x="1155" y="3275"/>
+                </a:lnTo>
+                <a:lnTo>
+                  <a:pt x="1161" y="3272"/>
+                </a:lnTo>
+                <a:lnTo>
+                  <a:pt x="1165" y="3270"/>
+                </a:lnTo>
+                <a:lnTo>
+                  <a:pt x="1345" y="3090"/>
+                </a:lnTo>
+                <a:lnTo>
+                  <a:pt x="5760" y="3090"/>
+                </a:lnTo>
+                <a:lnTo>
+                  <a:pt x="5760" y="0"/>
+                </a:lnTo>
+                <a:close/>
+              </a:path>
+            </a:pathLst>
+          </a:custGeom>
+          <a:ln/>
+          <a:effectLst/>
+          <a:extLst>
+            <a:ext uri="{91240B29-F687-4f45-9708-019B960494DF}">
+              <a14:hiddenLine xmlns:a16="http://schemas.microsoft.com/office/drawing/2014/main" xmlns:a14="http://schemas.microsoft.com/office/drawing/2010/main" xmlns="" w="9525">
+                <a:solidFill>
+                  <a:srgbClr val="000000"/>
+                </a:solidFill>
+                <a:round/>
+                <a:headEnd/>
+                <a:tailEnd/>
+              </a14:hiddenLine>
+            </a:ext>
+          </a:extLst>
+        </p:spPr>
+        <p:style>
+          <a:lnRef idx="1">
+            <a:schemeClr val="accent1"/>
+          </a:lnRef>
+          <a:fillRef idx="3">
+            <a:schemeClr val="accent1"/>
+          </a:fillRef>
+          <a:effectRef idx="2">
+            <a:schemeClr val="accent1"/>
+          </a:effectRef>
+          <a:fontRef idx="minor">
+            <a:schemeClr val="lt1"/>
+          </a:fontRef>
+        </p:style>
+      </p:sp>
+      <p:sp useBgFill="1">
+        <p:nvSpPr>
+          <p:cNvPr id="9" name="Rectangle 8">
+            <a:extLst>
+              <a:ext uri="{FF2B5EF4-FFF2-40B4-BE49-F238E27FC236}">
+                <a16:creationId xmlns:a16="http://schemas.microsoft.com/office/drawing/2014/main" id="{597EA66B-2AAB-42B0-9F9D-38920D8D82D7}"/>
+              </a:ext>
+              <a:ext uri="{C183D7F6-B498-43B3-948B-1728B52AA6E4}">
+                <adec:decorative xmlns:adec="http://schemas.microsoft.com/office/drawing/2017/decorative" val="1"/>
+              </a:ext>
+            </a:extLst>
+          </p:cNvPr>
+          <p:cNvSpPr>
+            <a:spLocks noGrp="1" noRot="1" noChangeAspect="1" noMove="1" noResize="1" noEditPoints="1" noAdjustHandles="1" noChangeArrowheads="1" noChangeShapeType="1" noTextEdit="1"/>
+          </p:cNvSpPr>
+          <p:nvPr>
+            <p:extLst>
+              <p:ext uri="{386F3935-93C4-4BCD-93E2-E3B085C9AB24}">
+                <p16:designElem xmlns:p16="http://schemas.microsoft.com/office/powerpoint/2015/main" val="1"/>
+              </p:ext>
+            </p:extLst>
+          </p:nvPr>
+        </p:nvSpPr>
+        <p:spPr>
+          <a:xfrm>
+            <a:off x="0" y="0"/>
+            <a:ext cx="12192000" cy="6858000"/>
+          </a:xfrm>
+          <a:prstGeom prst="rect">
+            <a:avLst/>
+          </a:prstGeom>
+          <a:ln>
+            <a:noFill/>
+          </a:ln>
+        </p:spPr>
+        <p:style>
+          <a:lnRef idx="2">
+            <a:schemeClr val="accent1">
+              <a:shade val="50000"/>
+            </a:schemeClr>
+          </a:lnRef>
+          <a:fillRef idx="1">
+            <a:schemeClr val="accent1"/>
+          </a:fillRef>
+          <a:effectRef idx="0">
+            <a:schemeClr val="accent1"/>
+          </a:effectRef>
+          <a:fontRef idx="minor">
+            <a:schemeClr val="lt1"/>
+          </a:fontRef>
+        </p:style>
+        <p:txBody>
+          <a:bodyPr rtlCol="0" anchor="ctr"/>
+          <a:lstStyle/>
+          <a:p>
+            <a:pPr algn="ctr"/>
+            <a:endParaRPr lang="en-US"/>
+          </a:p>
+        </p:txBody>
+      </p:sp>
+      <p:sp>
+        <p:nvSpPr>
+          <p:cNvPr id="2" name="Título 1">
+            <a:extLst>
+              <a:ext uri="{FF2B5EF4-FFF2-40B4-BE49-F238E27FC236}">
+                <a16:creationId xmlns:a16="http://schemas.microsoft.com/office/drawing/2014/main" id="{D1B1195E-BE4D-4653-BD88-8D2CC20456BB}"/>
+              </a:ext>
+            </a:extLst>
+          </p:cNvPr>
+          <p:cNvSpPr>
+            <a:spLocks noGrp="1"/>
+          </p:cNvSpPr>
+          <p:nvPr>
+            <p:ph type="title"/>
+          </p:nvPr>
+        </p:nvSpPr>
+        <p:spPr>
+          <a:xfrm>
+            <a:off x="965199" y="2618913"/>
+            <a:ext cx="10261602" cy="1288777"/>
+          </a:xfrm>
+          <a:effectLst/>
+        </p:spPr>
+        <p:txBody>
+          <a:bodyPr vert="horz" lIns="91440" tIns="45720" rIns="91440" bIns="45720" rtlCol="0" anchor="b">
+            <a:normAutofit/>
+          </a:bodyPr>
+          <a:lstStyle/>
+          <a:p>
+            <a:pPr algn="ctr"/>
+            <a:r>
+              <a:rPr lang="en-US" sz="7200" dirty="0" err="1">
+                <a:solidFill>
+                  <a:schemeClr val="tx1"/>
+                </a:solidFill>
+              </a:rPr>
+              <a:t>Aplicação</a:t>
+            </a:r>
+            <a:endParaRPr lang="en-US" sz="7200" dirty="0">
+              <a:solidFill>
+                <a:schemeClr val="tx1"/>
+              </a:solidFill>
+            </a:endParaRPr>
+          </a:p>
+        </p:txBody>
+      </p:sp>
+      <p:sp>
+        <p:nvSpPr>
+          <p:cNvPr id="11" name="Freeform: Shape 10">
+            <a:extLst>
+              <a:ext uri="{FF2B5EF4-FFF2-40B4-BE49-F238E27FC236}">
+                <a16:creationId xmlns:a16="http://schemas.microsoft.com/office/drawing/2014/main" id="{D360EBE3-31BB-422F-AA87-FA3873DAE484}"/>
+              </a:ext>
+              <a:ext uri="{C183D7F6-B498-43B3-948B-1728B52AA6E4}">
+                <adec:decorative xmlns:adec="http://schemas.microsoft.com/office/drawing/2017/decorative" val="1"/>
+              </a:ext>
+            </a:extLst>
+          </p:cNvPr>
+          <p:cNvSpPr>
+            <a:spLocks noGrp="1" noRot="1" noChangeAspect="1" noMove="1" noResize="1" noEditPoints="1" noAdjustHandles="1" noChangeArrowheads="1" noChangeShapeType="1" noTextEdit="1"/>
+          </p:cNvSpPr>
+          <p:nvPr>
+            <p:extLst>
+              <p:ext uri="{386F3935-93C4-4BCD-93E2-E3B085C9AB24}">
+                <p16:designElem xmlns:p16="http://schemas.microsoft.com/office/powerpoint/2015/main" val="1"/>
+              </p:ext>
+            </p:extLst>
+          </p:nvPr>
+        </p:nvSpPr>
+        <p:spPr bwMode="auto">
+          <a:xfrm rot="10800000">
+            <a:off x="0" y="5388384"/>
+            <a:ext cx="12192000" cy="1469616"/>
+          </a:xfrm>
+          <a:custGeom>
+            <a:avLst/>
+            <a:gdLst>
+              <a:gd name="connsiteX0" fmla="*/ 6113881 w 12192000"/>
+              <a:gd name="connsiteY0" fmla="*/ 1469616 h 1469616"/>
+              <a:gd name="connsiteX1" fmla="*/ 6101181 w 12192000"/>
+              <a:gd name="connsiteY1" fmla="*/ 1469616 h 1469616"/>
+              <a:gd name="connsiteX2" fmla="*/ 6090598 w 12192000"/>
+              <a:gd name="connsiteY2" fmla="*/ 1469616 h 1469616"/>
+              <a:gd name="connsiteX3" fmla="*/ 6077897 w 12192000"/>
+              <a:gd name="connsiteY3" fmla="*/ 1464854 h 1469616"/>
+              <a:gd name="connsiteX4" fmla="*/ 6065198 w 12192000"/>
+              <a:gd name="connsiteY4" fmla="*/ 1460091 h 1469616"/>
+              <a:gd name="connsiteX5" fmla="*/ 6056731 w 12192000"/>
+              <a:gd name="connsiteY5" fmla="*/ 1456916 h 1469616"/>
+              <a:gd name="connsiteX6" fmla="*/ 5678033 w 12192000"/>
+              <a:gd name="connsiteY6" fmla="*/ 1172892 h 1469616"/>
+              <a:gd name="connsiteX7" fmla="*/ 0 w 12192000"/>
+              <a:gd name="connsiteY7" fmla="*/ 1172892 h 1469616"/>
+              <a:gd name="connsiteX8" fmla="*/ 0 w 12192000"/>
+              <a:gd name="connsiteY8" fmla="*/ 1162370 h 1469616"/>
+              <a:gd name="connsiteX9" fmla="*/ 0 w 12192000"/>
+              <a:gd name="connsiteY9" fmla="*/ 403347 h 1469616"/>
+              <a:gd name="connsiteX10" fmla="*/ 0 w 12192000"/>
+              <a:gd name="connsiteY10" fmla="*/ 0 h 1469616"/>
+              <a:gd name="connsiteX11" fmla="*/ 12192000 w 12192000"/>
+              <a:gd name="connsiteY11" fmla="*/ 0 h 1469616"/>
+              <a:gd name="connsiteX12" fmla="*/ 12192000 w 12192000"/>
+              <a:gd name="connsiteY12" fmla="*/ 403347 h 1469616"/>
+              <a:gd name="connsiteX13" fmla="*/ 12192000 w 12192000"/>
+              <a:gd name="connsiteY13" fmla="*/ 1162370 h 1469616"/>
+              <a:gd name="connsiteX14" fmla="*/ 12192000 w 12192000"/>
+              <a:gd name="connsiteY14" fmla="*/ 1172892 h 1469616"/>
+              <a:gd name="connsiteX15" fmla="*/ 6524330 w 12192000"/>
+              <a:gd name="connsiteY15" fmla="*/ 1172892 h 1469616"/>
+              <a:gd name="connsiteX16" fmla="*/ 6145631 w 12192000"/>
+              <a:gd name="connsiteY16" fmla="*/ 1456916 h 1469616"/>
+              <a:gd name="connsiteX17" fmla="*/ 6137163 w 12192000"/>
+              <a:gd name="connsiteY17" fmla="*/ 1460091 h 1469616"/>
+              <a:gd name="connsiteX18" fmla="*/ 6124463 w 12192000"/>
+              <a:gd name="connsiteY18" fmla="*/ 1464854 h 1469616"/>
+            </a:gdLst>
+            <a:ahLst/>
+            <a:cxnLst>
+              <a:cxn ang="0">
+                <a:pos x="connsiteX0" y="connsiteY0"/>
+              </a:cxn>
+              <a:cxn ang="0">
+                <a:pos x="connsiteX1" y="connsiteY1"/>
+              </a:cxn>
+              <a:cxn ang="0">
+                <a:pos x="connsiteX2" y="connsiteY2"/>
+              </a:cxn>
+              <a:cxn ang="0">
+                <a:pos x="connsiteX3" y="connsiteY3"/>
+              </a:cxn>
+              <a:cxn ang="0">
+                <a:pos x="connsiteX4" y="connsiteY4"/>
+              </a:cxn>
+              <a:cxn ang="0">
+                <a:pos x="connsiteX5" y="connsiteY5"/>
+              </a:cxn>
+              <a:cxn ang="0">
+                <a:pos x="connsiteX6" y="connsiteY6"/>
+              </a:cxn>
+              <a:cxn ang="0">
+                <a:pos x="connsiteX7" y="connsiteY7"/>
+              </a:cxn>
+              <a:cxn ang="0">
+                <a:pos x="connsiteX8" y="connsiteY8"/>
+              </a:cxn>
+              <a:cxn ang="0">
+                <a:pos x="connsiteX9" y="connsiteY9"/>
+              </a:cxn>
+              <a:cxn ang="0">
+                <a:pos x="connsiteX10" y="connsiteY10"/>
+              </a:cxn>
+              <a:cxn ang="0">
+                <a:pos x="connsiteX11" y="connsiteY11"/>
+              </a:cxn>
+              <a:cxn ang="0">
+                <a:pos x="connsiteX12" y="connsiteY12"/>
+              </a:cxn>
+              <a:cxn ang="0">
+                <a:pos x="connsiteX13" y="connsiteY13"/>
+              </a:cxn>
+              <a:cxn ang="0">
+                <a:pos x="connsiteX14" y="connsiteY14"/>
+              </a:cxn>
+              <a:cxn ang="0">
+                <a:pos x="connsiteX15" y="connsiteY15"/>
+              </a:cxn>
+              <a:cxn ang="0">
+                <a:pos x="connsiteX16" y="connsiteY16"/>
+              </a:cxn>
+              <a:cxn ang="0">
+                <a:pos x="connsiteX17" y="connsiteY17"/>
+              </a:cxn>
+              <a:cxn ang="0">
+                <a:pos x="connsiteX18" y="connsiteY18"/>
+              </a:cxn>
+            </a:cxnLst>
+            <a:rect l="l" t="t" r="r" b="b"/>
+            <a:pathLst>
+              <a:path w="12192000" h="1469616">
+                <a:moveTo>
+                  <a:pt x="6113881" y="1469616"/>
+                </a:moveTo>
+                <a:lnTo>
+                  <a:pt x="6101181" y="1469616"/>
+                </a:lnTo>
+                <a:lnTo>
+                  <a:pt x="6090598" y="1469616"/>
+                </a:lnTo>
+                <a:lnTo>
+                  <a:pt x="6077897" y="1464854"/>
+                </a:lnTo>
+                <a:lnTo>
+                  <a:pt x="6065198" y="1460091"/>
+                </a:lnTo>
+                <a:lnTo>
+                  <a:pt x="6056731" y="1456916"/>
+                </a:lnTo>
+                <a:lnTo>
+                  <a:pt x="5678033" y="1172892"/>
+                </a:lnTo>
+                <a:lnTo>
+                  <a:pt x="0" y="1172892"/>
+                </a:lnTo>
+                <a:lnTo>
+                  <a:pt x="0" y="1162370"/>
+                </a:lnTo>
+                <a:lnTo>
+                  <a:pt x="0" y="403347"/>
+                </a:lnTo>
+                <a:lnTo>
+                  <a:pt x="0" y="0"/>
+                </a:lnTo>
+                <a:lnTo>
+                  <a:pt x="12192000" y="0"/>
+                </a:lnTo>
+                <a:lnTo>
+                  <a:pt x="12192000" y="403347"/>
+                </a:lnTo>
+                <a:lnTo>
+                  <a:pt x="12192000" y="1162370"/>
+                </a:lnTo>
+                <a:lnTo>
+                  <a:pt x="12192000" y="1172892"/>
+                </a:lnTo>
+                <a:lnTo>
+                  <a:pt x="6524330" y="1172892"/>
+                </a:lnTo>
+                <a:lnTo>
+                  <a:pt x="6145631" y="1456916"/>
+                </a:lnTo>
+                <a:lnTo>
+                  <a:pt x="6137163" y="1460091"/>
+                </a:lnTo>
+                <a:lnTo>
+                  <a:pt x="6124463" y="1464854"/>
+                </a:lnTo>
+                <a:close/>
+              </a:path>
+            </a:pathLst>
+          </a:custGeom>
+          <a:ln>
+            <a:noFill/>
+          </a:ln>
+          <a:effectLst/>
+          <a:extLst>
+            <a:ext uri="{91240B29-F687-4f45-9708-019B960494DF}">
+              <a14:hiddenLine xmlns:a14="http://schemas.microsoft.com/office/drawing/2010/main" xmlns:p14="http://schemas.microsoft.com/office/powerpoint/2010/main" xmlns:a16="http://schemas.microsoft.com/office/drawing/2014/main" xmlns="" w="9525">
+                <a:solidFill>
+                  <a:srgbClr val="000000"/>
+                </a:solidFill>
+                <a:round/>
+                <a:headEnd/>
+                <a:tailEnd/>
+              </a14:hiddenLine>
+            </a:ext>
+          </a:extLst>
+        </p:spPr>
+        <p:style>
+          <a:lnRef idx="1">
+            <a:schemeClr val="accent1"/>
+          </a:lnRef>
+          <a:fillRef idx="3">
+            <a:schemeClr val="accent1"/>
+          </a:fillRef>
+          <a:effectRef idx="2">
+            <a:schemeClr val="accent1"/>
+          </a:effectRef>
+          <a:fontRef idx="minor">
+            <a:schemeClr val="lt1"/>
+          </a:fontRef>
+        </p:style>
+      </p:sp>
+    </p:spTree>
+    <p:extLst>
+      <p:ext uri="{BB962C8B-B14F-4D97-AF65-F5344CB8AC3E}">
+        <p14:creationId xmlns:p14="http://schemas.microsoft.com/office/powerpoint/2010/main" val="3284088433"/>
+      </p:ext>
+    </p:extLst>
+  </p:cSld>
+  <p:clrMapOvr>
+    <a:overrideClrMapping bg1="lt1" tx1="dk1" bg2="lt2" tx2="dk2" accent1="accent1" accent2="accent2" accent3="accent3" accent4="accent4" accent5="accent5" accent6="accent6" hlink="hlink" folHlink="folHlink"/>
+  </p:clrMapOvr>
+  <p:timing>
+    <p:tnLst>
+      <p:par>
+        <p:cTn id="1" dur="indefinite" restart="never" nodeType="tmRoot">
+          <p:childTnLst>
+            <p:seq concurrent="1" nextAc="seek">
+              <p:cTn id="2" dur="indefinite" nodeType="mainSeq">
+                <p:childTnLst>
+                  <p:par>
+                    <p:cTn id="3" fill="hold">
+                      <p:stCondLst>
+                        <p:cond delay="indefinite"/>
+                      </p:stCondLst>
+                      <p:childTnLst>
+                        <p:par>
+                          <p:cTn id="4" fill="hold">
+                            <p:stCondLst>
+                              <p:cond delay="0"/>
+                            </p:stCondLst>
+                            <p:childTnLst>
+                              <p:par>
+                                <p:cTn id="5" presetID="42" presetClass="entr" presetSubtype="0" fill="hold" grpId="0" nodeType="clickEffect">
+                                  <p:stCondLst>
+                                    <p:cond delay="0"/>
+                                  </p:stCondLst>
+                                  <p:childTnLst>
+                                    <p:set>
+                                      <p:cBhvr>
+                                        <p:cTn id="6" dur="1" fill="hold">
+                                          <p:stCondLst>
+                                            <p:cond delay="0"/>
+                                          </p:stCondLst>
+                                        </p:cTn>
+                                        <p:tgtEl>
+                                          <p:spTgt spid="2"/>
+                                        </p:tgtEl>
+                                        <p:attrNameLst>
+                                          <p:attrName>style.visibility</p:attrName>
+                                        </p:attrNameLst>
+                                      </p:cBhvr>
+                                      <p:to>
+                                        <p:strVal val="visible"/>
+                                      </p:to>
+                                    </p:set>
+                                    <p:animEffect transition="in" filter="fade">
+                                      <p:cBhvr>
+                                        <p:cTn id="7" dur="1000"/>
+                                        <p:tgtEl>
+                                          <p:spTgt spid="2"/>
+                                        </p:tgtEl>
+                                      </p:cBhvr>
+                                    </p:animEffect>
+                                    <p:anim calcmode="lin" valueType="num">
+                                      <p:cBhvr>
+                                        <p:cTn id="8" dur="1000" fill="hold"/>
+                                        <p:tgtEl>
+                                          <p:spTgt spid="2"/>
+                                        </p:tgtEl>
+                                        <p:attrNameLst>
+                                          <p:attrName>ppt_x</p:attrName>
+                                        </p:attrNameLst>
+                                      </p:cBhvr>
+                                      <p:tavLst>
+                                        <p:tav tm="0">
+                                          <p:val>
+                                            <p:strVal val="#ppt_x"/>
+                                          </p:val>
+                                        </p:tav>
+                                        <p:tav tm="100000">
+                                          <p:val>
+                                            <p:strVal val="#ppt_x"/>
+                                          </p:val>
+                                        </p:tav>
+                                      </p:tavLst>
+                                    </p:anim>
+                                    <p:anim calcmode="lin" valueType="num">
+                                      <p:cBhvr>
+                                        <p:cTn id="9" dur="1000" fill="hold"/>
+                                        <p:tgtEl>
+                                          <p:spTgt spid="2"/>
+                                        </p:tgtEl>
+                                        <p:attrNameLst>
+                                          <p:attrName>ppt_y</p:attrName>
+                                        </p:attrNameLst>
+                                      </p:cBhvr>
+                                      <p:tavLst>
+                                        <p:tav tm="0">
+                                          <p:val>
+                                            <p:strVal val="#ppt_y+.1"/>
+                                          </p:val>
+                                        </p:tav>
+                                        <p:tav tm="100000">
+                                          <p:val>
+                                            <p:strVal val="#ppt_y"/>
+                                          </p:val>
+                                        </p:tav>
+                                      </p:tavLst>
+                                    </p:anim>
+                                  </p:childTnLst>
+                                </p:cTn>
+                              </p:par>
+                            </p:childTnLst>
+                          </p:cTn>
+                        </p:par>
+                      </p:childTnLst>
+                    </p:cTn>
+                  </p:par>
+                </p:childTnLst>
+              </p:cTn>
+              <p:prevCondLst>
+                <p:cond evt="onPrev" delay="0">
+                  <p:tgtEl>
+                    <p:sldTgt/>
+                  </p:tgtEl>
+                </p:cond>
+              </p:prevCondLst>
+              <p:nextCondLst>
+                <p:cond evt="onNext" delay="0">
+                  <p:tgtEl>
+                    <p:sldTgt/>
+                  </p:tgtEl>
+                </p:cond>
+              </p:nextCondLst>
+            </p:seq>
+          </p:childTnLst>
+        </p:cTn>
+      </p:par>
+    </p:tnLst>
+    <p:bldLst>
+      <p:bldP spid="2" grpId="0"/>
+    </p:bldLst>
+  </p:timing>
+</p:sld>
+</file>
+
+<file path=ppt/slides/slide11.xml><?xml version="1.0" encoding="utf-8"?>
+<p:sld xmlns:a="http://schemas.openxmlformats.org/drawingml/2006/main" xmlns:r="http://schemas.openxmlformats.org/officeDocument/2006/relationships" xmlns:p="http://schemas.openxmlformats.org/presentationml/2006/main">
+  <p:cSld>
+    <p:bg>
+      <p:bgPr>
+        <a:solidFill>
+          <a:schemeClr val="bg1"/>
+        </a:solidFill>
+        <a:effectLst/>
+      </p:bgPr>
+    </p:bg>
+    <p:spTree>
+      <p:nvGrpSpPr>
+        <p:cNvPr id="1" name=""/>
+        <p:cNvGrpSpPr/>
+        <p:nvPr/>
+      </p:nvGrpSpPr>
+      <p:grpSpPr>
+        <a:xfrm>
+          <a:off x="0" y="0"/>
+          <a:ext cx="0" cy="0"/>
+          <a:chOff x="0" y="0"/>
+          <a:chExt cx="0" cy="0"/>
+        </a:xfrm>
+      </p:grpSpPr>
+      <p:sp>
+        <p:nvSpPr>
           <p:cNvPr id="2" name="Título 1">
             <a:extLst>
               <a:ext uri="{FF2B5EF4-FFF2-40B4-BE49-F238E27FC236}">
@@ -9484,7 +10108,7 @@
 </p:sld>
 </file>
 
-<file path=ppt/slides/slide11.xml><?xml version="1.0" encoding="utf-8"?>
+<file path=ppt/slides/slide12.xml><?xml version="1.0" encoding="utf-8"?>
 <p:sld xmlns:a="http://schemas.openxmlformats.org/drawingml/2006/main" xmlns:r="http://schemas.openxmlformats.org/officeDocument/2006/relationships" xmlns:p="http://schemas.openxmlformats.org/presentationml/2006/main">
   <p:cSld>
     <p:bg>
@@ -9604,7 +10228,7 @@
           <a:effectLst/>
           <a:extLst>
             <a:ext uri="{91240B29-F687-4f45-9708-019B960494DF}">
-              <a14:hiddenLine xmlns="" xmlns:a14="http://schemas.microsoft.com/office/drawing/2010/main" xmlns:a16="http://schemas.microsoft.com/office/drawing/2014/main" w="9525">
+              <a14:hiddenLine xmlns:a16="http://schemas.microsoft.com/office/drawing/2014/main" xmlns:a14="http://schemas.microsoft.com/office/drawing/2010/main" xmlns="" w="9525">
                 <a:solidFill>
                   <a:srgbClr val="000000"/>
                 </a:solidFill>
@@ -9978,7 +10602,7 @@
           <a:effectLst/>
           <a:extLst>
             <a:ext uri="{91240B29-F687-4f45-9708-019B960494DF}">
-              <a14:hiddenLine xmlns="" xmlns:a16="http://schemas.microsoft.com/office/drawing/2014/main" xmlns:p14="http://schemas.microsoft.com/office/powerpoint/2010/main" xmlns:a14="http://schemas.microsoft.com/office/drawing/2010/main" w="9525">
+              <a14:hiddenLine xmlns:a14="http://schemas.microsoft.com/office/drawing/2010/main" xmlns:p14="http://schemas.microsoft.com/office/powerpoint/2010/main" xmlns:a16="http://schemas.microsoft.com/office/drawing/2014/main" xmlns="" w="9525">
                 <a:solidFill>
                   <a:srgbClr val="000000"/>
                 </a:solidFill>
@@ -10736,7 +11360,7 @@
           <a:effectLst/>
           <a:extLst>
             <a:ext uri="{91240B29-F687-4f45-9708-019B960494DF}">
-              <a14:hiddenLine xmlns="" xmlns:a14="http://schemas.microsoft.com/office/drawing/2010/main" xmlns:a16="http://schemas.microsoft.com/office/drawing/2014/main" w="9525">
+              <a14:hiddenLine xmlns:a16="http://schemas.microsoft.com/office/drawing/2014/main" xmlns:a14="http://schemas.microsoft.com/office/drawing/2010/main" xmlns="" w="9525">
                 <a:solidFill>
                   <a:srgbClr val="000000"/>
                 </a:solidFill>
@@ -11068,7 +11692,7 @@
           <a:effectLst/>
           <a:extLst>
             <a:ext uri="{91240B29-F687-4f45-9708-019B960494DF}">
-              <a14:hiddenLine xmlns="" xmlns:a16="http://schemas.microsoft.com/office/drawing/2014/main" xmlns:p14="http://schemas.microsoft.com/office/powerpoint/2010/main" xmlns:a14="http://schemas.microsoft.com/office/drawing/2010/main" w="9525">
+              <a14:hiddenLine xmlns:a14="http://schemas.microsoft.com/office/drawing/2010/main" xmlns:p14="http://schemas.microsoft.com/office/powerpoint/2010/main" xmlns:a16="http://schemas.microsoft.com/office/drawing/2014/main" xmlns="" w="9525">
                 <a:solidFill>
                   <a:srgbClr val="000000"/>
                 </a:solidFill>
@@ -13959,7 +14583,7 @@
           <a:effectLst/>
           <a:extLst>
             <a:ext uri="{91240B29-F687-4f45-9708-019B960494DF}">
-              <a14:hiddenLine xmlns="" xmlns:a14="http://schemas.microsoft.com/office/drawing/2010/main" xmlns:a16="http://schemas.microsoft.com/office/drawing/2014/main" w="9525">
+              <a14:hiddenLine xmlns:a16="http://schemas.microsoft.com/office/drawing/2014/main" xmlns:a14="http://schemas.microsoft.com/office/drawing/2010/main" xmlns="" w="9525">
                 <a:solidFill>
                   <a:srgbClr val="000000"/>
                 </a:solidFill>
@@ -14307,7 +14931,7 @@
           <a:effectLst/>
           <a:extLst>
             <a:ext uri="{91240B29-F687-4f45-9708-019B960494DF}">
-              <a14:hiddenLine xmlns="" xmlns:a16="http://schemas.microsoft.com/office/drawing/2014/main" xmlns:p14="http://schemas.microsoft.com/office/powerpoint/2010/main" xmlns:a14="http://schemas.microsoft.com/office/drawing/2010/main" w="9525">
+              <a14:hiddenLine xmlns:a14="http://schemas.microsoft.com/office/drawing/2010/main" xmlns:p14="http://schemas.microsoft.com/office/powerpoint/2010/main" xmlns:a16="http://schemas.microsoft.com/office/drawing/2014/main" xmlns="" w="9525">
                 <a:solidFill>
                   <a:srgbClr val="000000"/>
                 </a:solidFill>
@@ -14873,7 +15497,7 @@
           <a:effectLst/>
           <a:extLst>
             <a:ext uri="{91240B29-F687-4f45-9708-019B960494DF}">
-              <a14:hiddenLine xmlns="" xmlns:a16="http://schemas.microsoft.com/office/drawing/2014/main" xmlns:p14="http://schemas.microsoft.com/office/powerpoint/2010/main" xmlns:a14="http://schemas.microsoft.com/office/drawing/2010/main" w="9525">
+              <a14:hiddenLine xmlns:a14="http://schemas.microsoft.com/office/drawing/2010/main" xmlns:p14="http://schemas.microsoft.com/office/powerpoint/2010/main" xmlns:a16="http://schemas.microsoft.com/office/drawing/2014/main" xmlns="" w="9525">
                 <a:solidFill>
                   <a:srgbClr val="000000"/>
                 </a:solidFill>
@@ -15046,7 +15670,7 @@
     <p:bg>
       <p:bgPr>
         <a:solidFill>
-          <a:schemeClr val="bg1"/>
+          <a:schemeClr val="bg2"/>
         </a:solidFill>
         <a:effectLst/>
       </p:bgPr>
@@ -15067,10 +15691,10 @@
       </p:grpSpPr>
       <p:sp>
         <p:nvSpPr>
-          <p:cNvPr id="7" name="Freeform 6">
+          <p:cNvPr id="10" name="Freeform 6">
             <a:extLst>
               <a:ext uri="{FF2B5EF4-FFF2-40B4-BE49-F238E27FC236}">
-                <a16:creationId xmlns:a16="http://schemas.microsoft.com/office/drawing/2014/main" id="{8775F366-526C-4C42-8931-696FFE8AA517}"/>
+                <a16:creationId xmlns:a16="http://schemas.microsoft.com/office/drawing/2014/main" id="{E446B7E6-8568-417F-959E-DB3D1E70F648}"/>
               </a:ext>
               <a:ext uri="{C183D7F6-B498-43B3-948B-1728B52AA6E4}">
                 <adec:decorative xmlns:adec="http://schemas.microsoft.com/office/drawing/2017/decorative" val="1"/>
@@ -15160,7 +15784,7 @@
           <a:effectLst/>
           <a:extLst>
             <a:ext uri="{91240B29-F687-4f45-9708-019B960494DF}">
-              <a14:hiddenLine xmlns="" xmlns:a14="http://schemas.microsoft.com/office/drawing/2010/main" xmlns:a16="http://schemas.microsoft.com/office/drawing/2014/main" w="9525">
+              <a14:hiddenLine xmlns:a14="http://schemas.microsoft.com/office/drawing/2010/main" xmlns:p14="http://schemas.microsoft.com/office/powerpoint/2010/main" xmlns:a16="http://schemas.microsoft.com/office/drawing/2014/main" xmlns="" w="9525">
                 <a:solidFill>
                   <a:srgbClr val="000000"/>
                 </a:solidFill>
@@ -15188,10 +15812,10 @@
       </p:sp>
       <p:sp useBgFill="1">
         <p:nvSpPr>
-          <p:cNvPr id="9" name="Rectangle 8">
+          <p:cNvPr id="12" name="Rectangle 11">
             <a:extLst>
               <a:ext uri="{FF2B5EF4-FFF2-40B4-BE49-F238E27FC236}">
-                <a16:creationId xmlns:a16="http://schemas.microsoft.com/office/drawing/2014/main" id="{597EA66B-2AAB-42B0-9F9D-38920D8D82D7}"/>
+                <a16:creationId xmlns:a16="http://schemas.microsoft.com/office/drawing/2014/main" id="{54047A07-72EC-41BC-A55F-C264F639FB20}"/>
               </a:ext>
               <a:ext uri="{C183D7F6-B498-43B3-948B-1728B52AA6E4}">
                 <adec:decorative xmlns:adec="http://schemas.microsoft.com/office/drawing/2017/decorative" val="1"/>
@@ -15251,7 +15875,7 @@
           <p:cNvPr id="2" name="Título 1">
             <a:extLst>
               <a:ext uri="{FF2B5EF4-FFF2-40B4-BE49-F238E27FC236}">
-                <a16:creationId xmlns:a16="http://schemas.microsoft.com/office/drawing/2014/main" id="{D1B1195E-BE4D-4653-BD88-8D2CC20456BB}"/>
+                <a16:creationId xmlns:a16="http://schemas.microsoft.com/office/drawing/2014/main" id="{E4A684AB-37EA-4E0F-B80E-670A900E0863}"/>
               </a:ext>
             </a:extLst>
           </p:cNvPr>
@@ -15264,10 +15888,9 @@
         </p:nvSpPr>
         <p:spPr>
           <a:xfrm>
-            <a:off x="965199" y="2618913"/>
-            <a:ext cx="10261602" cy="1288777"/>
+            <a:off x="810001" y="1449147"/>
+            <a:ext cx="10572000" cy="3732453"/>
           </a:xfrm>
-          <a:effectLst/>
         </p:spPr>
         <p:txBody>
           <a:bodyPr vert="horz" lIns="91440" tIns="45720" rIns="91440" bIns="45720" rtlCol="0" anchor="b">
@@ -15275,391 +15898,56 @@
           </a:bodyPr>
           <a:lstStyle/>
           <a:p>
-            <a:pPr algn="ctr"/>
-            <a:r>
-              <a:rPr lang="en-US" sz="7200" dirty="0" err="1">
-                <a:solidFill>
-                  <a:schemeClr val="tx1"/>
-                </a:solidFill>
-              </a:rPr>
-              <a:t>Aplicação</a:t>
-            </a:r>
-            <a:endParaRPr lang="en-US" sz="7200" dirty="0">
-              <a:solidFill>
-                <a:schemeClr val="tx1"/>
-              </a:solidFill>
-            </a:endParaRPr>
+            <a:br>
+              <a:rPr lang="en-US" sz="5400"/>
+            </a:br>
+            <a:endParaRPr lang="en-US" sz="5400"/>
           </a:p>
         </p:txBody>
       </p:sp>
-      <p:sp>
-        <p:nvSpPr>
-          <p:cNvPr id="11" name="Freeform: Shape 10">
+      <p:pic>
+        <p:nvPicPr>
+          <p:cNvPr id="3" name="Imagem 2">
             <a:extLst>
               <a:ext uri="{FF2B5EF4-FFF2-40B4-BE49-F238E27FC236}">
-                <a16:creationId xmlns:a16="http://schemas.microsoft.com/office/drawing/2014/main" id="{D360EBE3-31BB-422F-AA87-FA3873DAE484}"/>
-              </a:ext>
-              <a:ext uri="{C183D7F6-B498-43B3-948B-1728B52AA6E4}">
-                <adec:decorative xmlns:adec="http://schemas.microsoft.com/office/drawing/2017/decorative" val="1"/>
+                <a16:creationId xmlns:a16="http://schemas.microsoft.com/office/drawing/2014/main" id="{2CE874FF-7136-4FA8-AE77-3E84EC2008CC}"/>
               </a:ext>
             </a:extLst>
           </p:cNvPr>
-          <p:cNvSpPr>
-            <a:spLocks noGrp="1" noRot="1" noChangeAspect="1" noMove="1" noResize="1" noEditPoints="1" noAdjustHandles="1" noChangeArrowheads="1" noChangeShapeType="1" noTextEdit="1"/>
-          </p:cNvSpPr>
-          <p:nvPr>
-            <p:extLst>
-              <p:ext uri="{386F3935-93C4-4BCD-93E2-E3B085C9AB24}">
-                <p16:designElem xmlns:p16="http://schemas.microsoft.com/office/powerpoint/2015/main" val="1"/>
-              </p:ext>
-            </p:extLst>
-          </p:nvPr>
-        </p:nvSpPr>
-        <p:spPr bwMode="auto">
-          <a:xfrm rot="10800000">
-            <a:off x="0" y="5388384"/>
-            <a:ext cx="12192000" cy="1469616"/>
+          <p:cNvPicPr>
+            <a:picLocks noChangeAspect="1"/>
+          </p:cNvPicPr>
+          <p:nvPr/>
+        </p:nvPicPr>
+        <p:blipFill>
+          <a:blip r:embed="rId2"/>
+          <a:stretch>
+            <a:fillRect/>
+          </a:stretch>
+        </p:blipFill>
+        <p:spPr>
+          <a:xfrm>
+            <a:off x="0" y="428625"/>
+            <a:ext cx="12192000" cy="6000750"/>
           </a:xfrm>
-          <a:custGeom>
+          <a:prstGeom prst="rect">
             <a:avLst/>
-            <a:gdLst>
-              <a:gd name="connsiteX0" fmla="*/ 6113881 w 12192000"/>
-              <a:gd name="connsiteY0" fmla="*/ 1469616 h 1469616"/>
-              <a:gd name="connsiteX1" fmla="*/ 6101181 w 12192000"/>
-              <a:gd name="connsiteY1" fmla="*/ 1469616 h 1469616"/>
-              <a:gd name="connsiteX2" fmla="*/ 6090598 w 12192000"/>
-              <a:gd name="connsiteY2" fmla="*/ 1469616 h 1469616"/>
-              <a:gd name="connsiteX3" fmla="*/ 6077897 w 12192000"/>
-              <a:gd name="connsiteY3" fmla="*/ 1464854 h 1469616"/>
-              <a:gd name="connsiteX4" fmla="*/ 6065198 w 12192000"/>
-              <a:gd name="connsiteY4" fmla="*/ 1460091 h 1469616"/>
-              <a:gd name="connsiteX5" fmla="*/ 6056731 w 12192000"/>
-              <a:gd name="connsiteY5" fmla="*/ 1456916 h 1469616"/>
-              <a:gd name="connsiteX6" fmla="*/ 5678033 w 12192000"/>
-              <a:gd name="connsiteY6" fmla="*/ 1172892 h 1469616"/>
-              <a:gd name="connsiteX7" fmla="*/ 0 w 12192000"/>
-              <a:gd name="connsiteY7" fmla="*/ 1172892 h 1469616"/>
-              <a:gd name="connsiteX8" fmla="*/ 0 w 12192000"/>
-              <a:gd name="connsiteY8" fmla="*/ 1162370 h 1469616"/>
-              <a:gd name="connsiteX9" fmla="*/ 0 w 12192000"/>
-              <a:gd name="connsiteY9" fmla="*/ 403347 h 1469616"/>
-              <a:gd name="connsiteX10" fmla="*/ 0 w 12192000"/>
-              <a:gd name="connsiteY10" fmla="*/ 0 h 1469616"/>
-              <a:gd name="connsiteX11" fmla="*/ 12192000 w 12192000"/>
-              <a:gd name="connsiteY11" fmla="*/ 0 h 1469616"/>
-              <a:gd name="connsiteX12" fmla="*/ 12192000 w 12192000"/>
-              <a:gd name="connsiteY12" fmla="*/ 403347 h 1469616"/>
-              <a:gd name="connsiteX13" fmla="*/ 12192000 w 12192000"/>
-              <a:gd name="connsiteY13" fmla="*/ 1162370 h 1469616"/>
-              <a:gd name="connsiteX14" fmla="*/ 12192000 w 12192000"/>
-              <a:gd name="connsiteY14" fmla="*/ 1172892 h 1469616"/>
-              <a:gd name="connsiteX15" fmla="*/ 6524330 w 12192000"/>
-              <a:gd name="connsiteY15" fmla="*/ 1172892 h 1469616"/>
-              <a:gd name="connsiteX16" fmla="*/ 6145631 w 12192000"/>
-              <a:gd name="connsiteY16" fmla="*/ 1456916 h 1469616"/>
-              <a:gd name="connsiteX17" fmla="*/ 6137163 w 12192000"/>
-              <a:gd name="connsiteY17" fmla="*/ 1460091 h 1469616"/>
-              <a:gd name="connsiteX18" fmla="*/ 6124463 w 12192000"/>
-              <a:gd name="connsiteY18" fmla="*/ 1464854 h 1469616"/>
-            </a:gdLst>
-            <a:ahLst/>
-            <a:cxnLst>
-              <a:cxn ang="0">
-                <a:pos x="connsiteX0" y="connsiteY0"/>
-              </a:cxn>
-              <a:cxn ang="0">
-                <a:pos x="connsiteX1" y="connsiteY1"/>
-              </a:cxn>
-              <a:cxn ang="0">
-                <a:pos x="connsiteX2" y="connsiteY2"/>
-              </a:cxn>
-              <a:cxn ang="0">
-                <a:pos x="connsiteX3" y="connsiteY3"/>
-              </a:cxn>
-              <a:cxn ang="0">
-                <a:pos x="connsiteX4" y="connsiteY4"/>
-              </a:cxn>
-              <a:cxn ang="0">
-                <a:pos x="connsiteX5" y="connsiteY5"/>
-              </a:cxn>
-              <a:cxn ang="0">
-                <a:pos x="connsiteX6" y="connsiteY6"/>
-              </a:cxn>
-              <a:cxn ang="0">
-                <a:pos x="connsiteX7" y="connsiteY7"/>
-              </a:cxn>
-              <a:cxn ang="0">
-                <a:pos x="connsiteX8" y="connsiteY8"/>
-              </a:cxn>
-              <a:cxn ang="0">
-                <a:pos x="connsiteX9" y="connsiteY9"/>
-              </a:cxn>
-              <a:cxn ang="0">
-                <a:pos x="connsiteX10" y="connsiteY10"/>
-              </a:cxn>
-              <a:cxn ang="0">
-                <a:pos x="connsiteX11" y="connsiteY11"/>
-              </a:cxn>
-              <a:cxn ang="0">
-                <a:pos x="connsiteX12" y="connsiteY12"/>
-              </a:cxn>
-              <a:cxn ang="0">
-                <a:pos x="connsiteX13" y="connsiteY13"/>
-              </a:cxn>
-              <a:cxn ang="0">
-                <a:pos x="connsiteX14" y="connsiteY14"/>
-              </a:cxn>
-              <a:cxn ang="0">
-                <a:pos x="connsiteX15" y="connsiteY15"/>
-              </a:cxn>
-              <a:cxn ang="0">
-                <a:pos x="connsiteX16" y="connsiteY16"/>
-              </a:cxn>
-              <a:cxn ang="0">
-                <a:pos x="connsiteX17" y="connsiteY17"/>
-              </a:cxn>
-              <a:cxn ang="0">
-                <a:pos x="connsiteX18" y="connsiteY18"/>
-              </a:cxn>
-            </a:cxnLst>
-            <a:rect l="l" t="t" r="r" b="b"/>
-            <a:pathLst>
-              <a:path w="12192000" h="1469616">
-                <a:moveTo>
-                  <a:pt x="6113881" y="1469616"/>
-                </a:moveTo>
-                <a:lnTo>
-                  <a:pt x="6101181" y="1469616"/>
-                </a:lnTo>
-                <a:lnTo>
-                  <a:pt x="6090598" y="1469616"/>
-                </a:lnTo>
-                <a:lnTo>
-                  <a:pt x="6077897" y="1464854"/>
-                </a:lnTo>
-                <a:lnTo>
-                  <a:pt x="6065198" y="1460091"/>
-                </a:lnTo>
-                <a:lnTo>
-                  <a:pt x="6056731" y="1456916"/>
-                </a:lnTo>
-                <a:lnTo>
-                  <a:pt x="5678033" y="1172892"/>
-                </a:lnTo>
-                <a:lnTo>
-                  <a:pt x="0" y="1172892"/>
-                </a:lnTo>
-                <a:lnTo>
-                  <a:pt x="0" y="1162370"/>
-                </a:lnTo>
-                <a:lnTo>
-                  <a:pt x="0" y="403347"/>
-                </a:lnTo>
-                <a:lnTo>
-                  <a:pt x="0" y="0"/>
-                </a:lnTo>
-                <a:lnTo>
-                  <a:pt x="12192000" y="0"/>
-                </a:lnTo>
-                <a:lnTo>
-                  <a:pt x="12192000" y="403347"/>
-                </a:lnTo>
-                <a:lnTo>
-                  <a:pt x="12192000" y="1162370"/>
-                </a:lnTo>
-                <a:lnTo>
-                  <a:pt x="12192000" y="1172892"/>
-                </a:lnTo>
-                <a:lnTo>
-                  <a:pt x="6524330" y="1172892"/>
-                </a:lnTo>
-                <a:lnTo>
-                  <a:pt x="6145631" y="1456916"/>
-                </a:lnTo>
-                <a:lnTo>
-                  <a:pt x="6137163" y="1460091"/>
-                </a:lnTo>
-                <a:lnTo>
-                  <a:pt x="6124463" y="1464854"/>
-                </a:lnTo>
-                <a:close/>
-              </a:path>
-            </a:pathLst>
-          </a:custGeom>
-          <a:ln>
-            <a:noFill/>
-          </a:ln>
-          <a:effectLst/>
-          <a:extLst>
-            <a:ext uri="{91240B29-F687-4f45-9708-019B960494DF}">
-              <a14:hiddenLine xmlns="" xmlns:a16="http://schemas.microsoft.com/office/drawing/2014/main" xmlns:p14="http://schemas.microsoft.com/office/powerpoint/2010/main" xmlns:a14="http://schemas.microsoft.com/office/drawing/2010/main" w="9525">
-                <a:solidFill>
-                  <a:srgbClr val="000000"/>
-                </a:solidFill>
-                <a:round/>
-                <a:headEnd/>
-                <a:tailEnd/>
-              </a14:hiddenLine>
-            </a:ext>
-          </a:extLst>
+          </a:prstGeom>
         </p:spPr>
-        <p:style>
-          <a:lnRef idx="1">
-            <a:schemeClr val="accent1"/>
-          </a:lnRef>
-          <a:fillRef idx="3">
-            <a:schemeClr val="accent1"/>
-          </a:fillRef>
-          <a:effectRef idx="2">
-            <a:schemeClr val="accent1"/>
-          </a:effectRef>
-          <a:fontRef idx="minor">
-            <a:schemeClr val="lt1"/>
-          </a:fontRef>
-        </p:style>
-      </p:sp>
+      </p:pic>
     </p:spTree>
     <p:extLst>
       <p:ext uri="{BB962C8B-B14F-4D97-AF65-F5344CB8AC3E}">
-        <p14:creationId xmlns:p14="http://schemas.microsoft.com/office/powerpoint/2010/main" val="3284088433"/>
+        <p14:creationId xmlns:p14="http://schemas.microsoft.com/office/powerpoint/2010/main" val="398911164"/>
       </p:ext>
     </p:extLst>
   </p:cSld>
   <p:clrMapOvr>
-    <a:overrideClrMapping bg1="lt1" tx1="dk1" bg2="lt2" tx2="dk2" accent1="accent1" accent2="accent2" accent3="accent3" accent4="accent4" accent5="accent5" accent6="accent6" hlink="hlink" folHlink="folHlink"/>
+    <a:masterClrMapping/>
   </p:clrMapOvr>
-  <p:timing>
-    <p:tnLst>
-      <p:par>
-        <p:cTn id="1" dur="indefinite" restart="never" nodeType="tmRoot">
-          <p:childTnLst>
-            <p:seq concurrent="1" nextAc="seek">
-              <p:cTn id="2" dur="indefinite" nodeType="mainSeq">
-                <p:childTnLst>
-                  <p:par>
-                    <p:cTn id="3" fill="hold">
-                      <p:stCondLst>
-                        <p:cond delay="indefinite"/>
-                      </p:stCondLst>
-                      <p:childTnLst>
-                        <p:par>
-                          <p:cTn id="4" fill="hold">
-                            <p:stCondLst>
-                              <p:cond delay="0"/>
-                            </p:stCondLst>
-                            <p:childTnLst>
-                              <p:par>
-                                <p:cTn id="5" presetID="42" presetClass="entr" presetSubtype="0" fill="hold" grpId="0" nodeType="clickEffect">
-                                  <p:stCondLst>
-                                    <p:cond delay="0"/>
-                                  </p:stCondLst>
-                                  <p:childTnLst>
-                                    <p:set>
-                                      <p:cBhvr>
-                                        <p:cTn id="6" dur="1" fill="hold">
-                                          <p:stCondLst>
-                                            <p:cond delay="0"/>
-                                          </p:stCondLst>
-                                        </p:cTn>
-                                        <p:tgtEl>
-                                          <p:spTgt spid="2"/>
-                                        </p:tgtEl>
-                                        <p:attrNameLst>
-                                          <p:attrName>style.visibility</p:attrName>
-                                        </p:attrNameLst>
-                                      </p:cBhvr>
-                                      <p:to>
-                                        <p:strVal val="visible"/>
-                                      </p:to>
-                                    </p:set>
-                                    <p:animEffect transition="in" filter="fade">
-                                      <p:cBhvr>
-                                        <p:cTn id="7" dur="1000"/>
-                                        <p:tgtEl>
-                                          <p:spTgt spid="2"/>
-                                        </p:tgtEl>
-                                      </p:cBhvr>
-                                    </p:animEffect>
-                                    <p:anim calcmode="lin" valueType="num">
-                                      <p:cBhvr>
-                                        <p:cTn id="8" dur="1000" fill="hold"/>
-                                        <p:tgtEl>
-                                          <p:spTgt spid="2"/>
-                                        </p:tgtEl>
-                                        <p:attrNameLst>
-                                          <p:attrName>ppt_x</p:attrName>
-                                        </p:attrNameLst>
-                                      </p:cBhvr>
-                                      <p:tavLst>
-                                        <p:tav tm="0">
-                                          <p:val>
-                                            <p:strVal val="#ppt_x"/>
-                                          </p:val>
-                                        </p:tav>
-                                        <p:tav tm="100000">
-                                          <p:val>
-                                            <p:strVal val="#ppt_x"/>
-                                          </p:val>
-                                        </p:tav>
-                                      </p:tavLst>
-                                    </p:anim>
-                                    <p:anim calcmode="lin" valueType="num">
-                                      <p:cBhvr>
-                                        <p:cTn id="9" dur="1000" fill="hold"/>
-                                        <p:tgtEl>
-                                          <p:spTgt spid="2"/>
-                                        </p:tgtEl>
-                                        <p:attrNameLst>
-                                          <p:attrName>ppt_y</p:attrName>
-                                        </p:attrNameLst>
-                                      </p:cBhvr>
-                                      <p:tavLst>
-                                        <p:tav tm="0">
-                                          <p:val>
-                                            <p:strVal val="#ppt_y+.1"/>
-                                          </p:val>
-                                        </p:tav>
-                                        <p:tav tm="100000">
-                                          <p:val>
-                                            <p:strVal val="#ppt_y"/>
-                                          </p:val>
-                                        </p:tav>
-                                      </p:tavLst>
-                                    </p:anim>
-                                  </p:childTnLst>
-                                </p:cTn>
-                              </p:par>
-                            </p:childTnLst>
-                          </p:cTn>
-                        </p:par>
-                      </p:childTnLst>
-                    </p:cTn>
-                  </p:par>
-                </p:childTnLst>
-              </p:cTn>
-              <p:prevCondLst>
-                <p:cond evt="onPrev" delay="0">
-                  <p:tgtEl>
-                    <p:sldTgt/>
-                  </p:tgtEl>
-                </p:cond>
-              </p:prevCondLst>
-              <p:nextCondLst>
-                <p:cond evt="onNext" delay="0">
-                  <p:tgtEl>
-                    <p:sldTgt/>
-                  </p:tgtEl>
-                </p:cond>
-              </p:nextCondLst>
-            </p:seq>
-          </p:childTnLst>
-        </p:cTn>
-      </p:par>
-    </p:tnLst>
-    <p:bldLst>
-      <p:bldP spid="2" grpId="0"/>
-    </p:bldLst>
-  </p:timing>
+  <p:transition spd="slow">
+    <p:cover/>
+  </p:transition>
 </p:sld>
 </file>
 

--- a/Apresentação/SPRINT-HUMILDIFICADORES.pptx
+++ b/Apresentação/SPRINT-HUMILDIFICADORES.pptx
@@ -12,11 +12,12 @@
     <p:sldId id="259" r:id="rId6"/>
     <p:sldId id="262" r:id="rId7"/>
     <p:sldId id="263" r:id="rId8"/>
-    <p:sldId id="266" r:id="rId9"/>
+    <p:sldId id="271" r:id="rId9"/>
     <p:sldId id="267" r:id="rId10"/>
-    <p:sldId id="265" r:id="rId11"/>
-    <p:sldId id="260" r:id="rId12"/>
-    <p:sldId id="261" r:id="rId13"/>
+    <p:sldId id="269" r:id="rId11"/>
+    <p:sldId id="265" r:id="rId12"/>
+    <p:sldId id="260" r:id="rId13"/>
+    <p:sldId id="261" r:id="rId14"/>
   </p:sldIdLst>
   <p:sldSz cx="12192000" cy="6858000"/>
   <p:notesSz cx="6858000" cy="9144000"/>
@@ -2854,7 +2855,7 @@
           <a:effectLst/>
           <a:extLst>
             <a:ext uri="{91240B29-F687-4f45-9708-019B960494DF}">
-              <a14:hiddenLine xmlns="" xmlns:a14="http://schemas.microsoft.com/office/drawing/2010/main" w="9525">
+              <a14:hiddenLine xmlns:a14="http://schemas.microsoft.com/office/drawing/2010/main" xmlns="" w="9525">
                 <a:solidFill>
                   <a:srgbClr val="000000"/>
                 </a:solidFill>
@@ -4384,7 +4385,7 @@
           <a:ln/>
           <a:extLst>
             <a:ext uri="{91240B29-F687-4f45-9708-019B960494DF}">
-              <a14:hiddenLine xmlns="" xmlns:a14="http://schemas.microsoft.com/office/drawing/2010/main" w="9525">
+              <a14:hiddenLine xmlns:a14="http://schemas.microsoft.com/office/drawing/2010/main" xmlns="" w="9525">
                 <a:solidFill>
                   <a:srgbClr val="000000"/>
                 </a:solidFill>
@@ -4661,7 +4662,7 @@
           <a:ln/>
           <a:extLst>
             <a:ext uri="{91240B29-F687-4f45-9708-019B960494DF}">
-              <a14:hiddenLine xmlns="" xmlns:a14="http://schemas.microsoft.com/office/drawing/2010/main" w="9525">
+              <a14:hiddenLine xmlns:a14="http://schemas.microsoft.com/office/drawing/2010/main" xmlns="" w="9525">
                 <a:solidFill>
                   <a:srgbClr val="000000"/>
                 </a:solidFill>
@@ -4946,7 +4947,7 @@
           <a:ln/>
           <a:extLst>
             <a:ext uri="{91240B29-F687-4f45-9708-019B960494DF}">
-              <a14:hiddenLine xmlns="" xmlns:a14="http://schemas.microsoft.com/office/drawing/2010/main" w="9525">
+              <a14:hiddenLine xmlns:a14="http://schemas.microsoft.com/office/drawing/2010/main" xmlns="" w="9525">
                 <a:solidFill>
                   <a:srgbClr val="000000"/>
                 </a:solidFill>
@@ -5576,7 +5577,7 @@
           <a:ln/>
           <a:extLst>
             <a:ext uri="{91240B29-F687-4f45-9708-019B960494DF}">
-              <a14:hiddenLine xmlns="" xmlns:a14="http://schemas.microsoft.com/office/drawing/2010/main" w="9525">
+              <a14:hiddenLine xmlns:a14="http://schemas.microsoft.com/office/drawing/2010/main" xmlns="" w="9525">
                 <a:solidFill>
                   <a:srgbClr val="000000"/>
                 </a:solidFill>
@@ -5917,7 +5918,7 @@
           <a:ln/>
           <a:extLst>
             <a:ext uri="{91240B29-F687-4f45-9708-019B960494DF}">
-              <a14:hiddenLine xmlns="" xmlns:a14="http://schemas.microsoft.com/office/drawing/2010/main" w="9525">
+              <a14:hiddenLine xmlns:a14="http://schemas.microsoft.com/office/drawing/2010/main" xmlns="" w="9525">
                 <a:solidFill>
                   <a:srgbClr val="000000"/>
                 </a:solidFill>
@@ -6396,7 +6397,7 @@
           <a:ln/>
           <a:extLst>
             <a:ext uri="{91240B29-F687-4f45-9708-019B960494DF}">
-              <a14:hiddenLine xmlns="" xmlns:a14="http://schemas.microsoft.com/office/drawing/2010/main" w="9525">
+              <a14:hiddenLine xmlns:a14="http://schemas.microsoft.com/office/drawing/2010/main" xmlns="" w="9525">
                 <a:solidFill>
                   <a:srgbClr val="000000"/>
                 </a:solidFill>
@@ -6829,7 +6830,7 @@
           <a:ln/>
           <a:extLst>
             <a:ext uri="{91240B29-F687-4f45-9708-019B960494DF}">
-              <a14:hiddenLine xmlns="" xmlns:a14="http://schemas.microsoft.com/office/drawing/2010/main" w="9525">
+              <a14:hiddenLine xmlns:a14="http://schemas.microsoft.com/office/drawing/2010/main" xmlns="" w="9525">
                 <a:solidFill>
                   <a:srgbClr val="000000"/>
                 </a:solidFill>
@@ -9000,6 +9001,98 @@
 <file path=ppt/slides/slide10.xml><?xml version="1.0" encoding="utf-8"?>
 <p:sld xmlns:a="http://schemas.openxmlformats.org/drawingml/2006/main" xmlns:r="http://schemas.openxmlformats.org/officeDocument/2006/relationships" xmlns:p="http://schemas.openxmlformats.org/presentationml/2006/main">
   <p:cSld>
+    <p:spTree>
+      <p:nvGrpSpPr>
+        <p:cNvPr id="1" name=""/>
+        <p:cNvGrpSpPr/>
+        <p:nvPr/>
+      </p:nvGrpSpPr>
+      <p:grpSpPr>
+        <a:xfrm>
+          <a:off x="0" y="0"/>
+          <a:ext cx="0" cy="0"/>
+          <a:chOff x="0" y="0"/>
+          <a:chExt cx="0" cy="0"/>
+        </a:xfrm>
+      </p:grpSpPr>
+      <p:sp>
+        <p:nvSpPr>
+          <p:cNvPr id="2" name="Título 1">
+            <a:extLst>
+              <a:ext uri="{FF2B5EF4-FFF2-40B4-BE49-F238E27FC236}">
+                <a16:creationId xmlns:a16="http://schemas.microsoft.com/office/drawing/2014/main" id="{5F21D4CF-7534-4AB6-ACA6-6597C4AEBA1C}"/>
+              </a:ext>
+            </a:extLst>
+          </p:cNvPr>
+          <p:cNvSpPr>
+            <a:spLocks noGrp="1"/>
+          </p:cNvSpPr>
+          <p:nvPr>
+            <p:ph type="title"/>
+          </p:nvPr>
+        </p:nvSpPr>
+        <p:spPr/>
+        <p:txBody>
+          <a:bodyPr/>
+          <a:lstStyle/>
+          <a:p>
+            <a:pPr algn="ctr"/>
+            <a:r>
+              <a:rPr lang="pt-BR" sz="7200" dirty="0">
+                <a:solidFill>
+                  <a:schemeClr val="bg1"/>
+                </a:solidFill>
+              </a:rPr>
+              <a:t>Controle</a:t>
+            </a:r>
+          </a:p>
+        </p:txBody>
+      </p:sp>
+      <p:pic>
+        <p:nvPicPr>
+          <p:cNvPr id="5" name="Espaço Reservado para Conteúdo 4">
+            <a:extLst>
+              <a:ext uri="{FF2B5EF4-FFF2-40B4-BE49-F238E27FC236}">
+                <a16:creationId xmlns:a16="http://schemas.microsoft.com/office/drawing/2014/main" id="{43E87CFC-F542-444B-B8A7-7D10DB091EF4}"/>
+              </a:ext>
+            </a:extLst>
+          </p:cNvPr>
+          <p:cNvPicPr>
+            <a:picLocks noGrp="1" noChangeAspect="1"/>
+          </p:cNvPicPr>
+          <p:nvPr>
+            <p:ph idx="1"/>
+          </p:nvPr>
+        </p:nvPicPr>
+        <p:blipFill>
+          <a:blip r:embed="rId2"/>
+          <a:stretch>
+            <a:fillRect/>
+          </a:stretch>
+        </p:blipFill>
+        <p:spPr>
+          <a:xfrm>
+            <a:off x="1005388" y="3353617"/>
+            <a:ext cx="10181224" cy="1868405"/>
+          </a:xfrm>
+        </p:spPr>
+      </p:pic>
+    </p:spTree>
+    <p:extLst>
+      <p:ext uri="{BB962C8B-B14F-4D97-AF65-F5344CB8AC3E}">
+        <p14:creationId xmlns:p14="http://schemas.microsoft.com/office/powerpoint/2010/main" val="705597669"/>
+      </p:ext>
+    </p:extLst>
+  </p:cSld>
+  <p:clrMapOvr>
+    <a:masterClrMapping/>
+  </p:clrMapOvr>
+</p:sld>
+</file>
+
+<file path=ppt/slides/slide11.xml><?xml version="1.0" encoding="utf-8"?>
+<p:sld xmlns:a="http://schemas.openxmlformats.org/drawingml/2006/main" xmlns:r="http://schemas.openxmlformats.org/officeDocument/2006/relationships" xmlns:p="http://schemas.openxmlformats.org/presentationml/2006/main">
+  <p:cSld>
     <p:bg>
       <p:bgPr>
         <a:solidFill>
@@ -9117,7 +9210,7 @@
           <a:effectLst/>
           <a:extLst>
             <a:ext uri="{91240B29-F687-4f45-9708-019B960494DF}">
-              <a14:hiddenLine xmlns:a16="http://schemas.microsoft.com/office/drawing/2014/main" xmlns:a14="http://schemas.microsoft.com/office/drawing/2010/main" xmlns="" w="9525">
+              <a14:hiddenLine xmlns="" xmlns:a14="http://schemas.microsoft.com/office/drawing/2010/main" xmlns:a16="http://schemas.microsoft.com/office/drawing/2014/main" w="9525">
                 <a:solidFill>
                   <a:srgbClr val="000000"/>
                 </a:solidFill>
@@ -9449,7 +9542,7 @@
           <a:effectLst/>
           <a:extLst>
             <a:ext uri="{91240B29-F687-4f45-9708-019B960494DF}">
-              <a14:hiddenLine xmlns:a14="http://schemas.microsoft.com/office/drawing/2010/main" xmlns:p14="http://schemas.microsoft.com/office/powerpoint/2010/main" xmlns:a16="http://schemas.microsoft.com/office/drawing/2014/main" xmlns="" w="9525">
+              <a14:hiddenLine xmlns="" xmlns:a16="http://schemas.microsoft.com/office/drawing/2014/main" xmlns:p14="http://schemas.microsoft.com/office/powerpoint/2010/main" xmlns:a14="http://schemas.microsoft.com/office/drawing/2010/main" w="9525">
                 <a:solidFill>
                   <a:srgbClr val="000000"/>
                 </a:solidFill>
@@ -9620,7 +9713,7 @@
 </p:sld>
 </file>
 
-<file path=ppt/slides/slide11.xml><?xml version="1.0" encoding="utf-8"?>
+<file path=ppt/slides/slide12.xml><?xml version="1.0" encoding="utf-8"?>
 <p:sld xmlns:a="http://schemas.openxmlformats.org/drawingml/2006/main" xmlns:r="http://schemas.openxmlformats.org/officeDocument/2006/relationships" xmlns:p="http://schemas.openxmlformats.org/presentationml/2006/main">
   <p:cSld>
     <p:bg>
@@ -10108,7 +10201,7 @@
 </p:sld>
 </file>
 
-<file path=ppt/slides/slide12.xml><?xml version="1.0" encoding="utf-8"?>
+<file path=ppt/slides/slide13.xml><?xml version="1.0" encoding="utf-8"?>
 <p:sld xmlns:a="http://schemas.openxmlformats.org/drawingml/2006/main" xmlns:r="http://schemas.openxmlformats.org/officeDocument/2006/relationships" xmlns:p="http://schemas.openxmlformats.org/presentationml/2006/main">
   <p:cSld>
     <p:bg>
@@ -10228,7 +10321,7 @@
           <a:effectLst/>
           <a:extLst>
             <a:ext uri="{91240B29-F687-4f45-9708-019B960494DF}">
-              <a14:hiddenLine xmlns:a16="http://schemas.microsoft.com/office/drawing/2014/main" xmlns:a14="http://schemas.microsoft.com/office/drawing/2010/main" xmlns="" w="9525">
+              <a14:hiddenLine xmlns="" xmlns:a14="http://schemas.microsoft.com/office/drawing/2010/main" xmlns:a16="http://schemas.microsoft.com/office/drawing/2014/main" w="9525">
                 <a:solidFill>
                   <a:srgbClr val="000000"/>
                 </a:solidFill>
@@ -10602,7 +10695,7 @@
           <a:effectLst/>
           <a:extLst>
             <a:ext uri="{91240B29-F687-4f45-9708-019B960494DF}">
-              <a14:hiddenLine xmlns:a14="http://schemas.microsoft.com/office/drawing/2010/main" xmlns:p14="http://schemas.microsoft.com/office/powerpoint/2010/main" xmlns:a16="http://schemas.microsoft.com/office/drawing/2014/main" xmlns="" w="9525">
+              <a14:hiddenLine xmlns="" xmlns:a16="http://schemas.microsoft.com/office/drawing/2014/main" xmlns:p14="http://schemas.microsoft.com/office/powerpoint/2010/main" xmlns:a14="http://schemas.microsoft.com/office/drawing/2010/main" w="9525">
                 <a:solidFill>
                   <a:srgbClr val="000000"/>
                 </a:solidFill>
@@ -11360,7 +11453,7 @@
           <a:effectLst/>
           <a:extLst>
             <a:ext uri="{91240B29-F687-4f45-9708-019B960494DF}">
-              <a14:hiddenLine xmlns:a16="http://schemas.microsoft.com/office/drawing/2014/main" xmlns:a14="http://schemas.microsoft.com/office/drawing/2010/main" xmlns="" w="9525">
+              <a14:hiddenLine xmlns="" xmlns:a14="http://schemas.microsoft.com/office/drawing/2010/main" xmlns:a16="http://schemas.microsoft.com/office/drawing/2014/main" w="9525">
                 <a:solidFill>
                   <a:srgbClr val="000000"/>
                 </a:solidFill>
@@ -11692,7 +11785,7 @@
           <a:effectLst/>
           <a:extLst>
             <a:ext uri="{91240B29-F687-4f45-9708-019B960494DF}">
-              <a14:hiddenLine xmlns:a14="http://schemas.microsoft.com/office/drawing/2010/main" xmlns:p14="http://schemas.microsoft.com/office/powerpoint/2010/main" xmlns:a16="http://schemas.microsoft.com/office/drawing/2014/main" xmlns="" w="9525">
+              <a14:hiddenLine xmlns="" xmlns:a16="http://schemas.microsoft.com/office/drawing/2014/main" xmlns:p14="http://schemas.microsoft.com/office/powerpoint/2010/main" xmlns:a14="http://schemas.microsoft.com/office/drawing/2010/main" w="9525">
                 <a:solidFill>
                   <a:srgbClr val="000000"/>
                 </a:solidFill>
@@ -14583,7 +14676,7 @@
           <a:effectLst/>
           <a:extLst>
             <a:ext uri="{91240B29-F687-4f45-9708-019B960494DF}">
-              <a14:hiddenLine xmlns:a16="http://schemas.microsoft.com/office/drawing/2014/main" xmlns:a14="http://schemas.microsoft.com/office/drawing/2010/main" xmlns="" w="9525">
+              <a14:hiddenLine xmlns="" xmlns:a14="http://schemas.microsoft.com/office/drawing/2010/main" xmlns:a16="http://schemas.microsoft.com/office/drawing/2014/main" w="9525">
                 <a:solidFill>
                   <a:srgbClr val="000000"/>
                 </a:solidFill>
@@ -14931,7 +15024,7 @@
           <a:effectLst/>
           <a:extLst>
             <a:ext uri="{91240B29-F687-4f45-9708-019B960494DF}">
-              <a14:hiddenLine xmlns:a14="http://schemas.microsoft.com/office/drawing/2010/main" xmlns:p14="http://schemas.microsoft.com/office/powerpoint/2010/main" xmlns:a16="http://schemas.microsoft.com/office/drawing/2014/main" xmlns="" w="9525">
+              <a14:hiddenLine xmlns="" xmlns:a16="http://schemas.microsoft.com/office/drawing/2014/main" xmlns:p14="http://schemas.microsoft.com/office/powerpoint/2010/main" xmlns:a14="http://schemas.microsoft.com/office/drawing/2010/main" w="9525">
                 <a:solidFill>
                   <a:srgbClr val="000000"/>
                 </a:solidFill>
@@ -15380,14 +15473,6 @@
 <file path=ppt/slides/slide8.xml><?xml version="1.0" encoding="utf-8"?>
 <p:sld xmlns:a="http://schemas.openxmlformats.org/drawingml/2006/main" xmlns:r="http://schemas.openxmlformats.org/officeDocument/2006/relationships" xmlns:p="http://schemas.openxmlformats.org/presentationml/2006/main">
   <p:cSld>
-    <p:bg>
-      <p:bgPr>
-        <a:solidFill>
-          <a:schemeClr val="bg2"/>
-        </a:solidFill>
-        <a:effectLst/>
-      </p:bgPr>
-    </p:bg>
     <p:spTree>
       <p:nvGrpSpPr>
         <p:cNvPr id="1" name=""/>
@@ -15404,191 +15489,10 @@
       </p:grpSpPr>
       <p:sp>
         <p:nvSpPr>
-          <p:cNvPr id="10" name="Freeform 6">
-            <a:extLst>
-              <a:ext uri="{FF2B5EF4-FFF2-40B4-BE49-F238E27FC236}">
-                <a16:creationId xmlns:a16="http://schemas.microsoft.com/office/drawing/2014/main" id="{E446B7E6-8568-417F-959E-DB3D1E70F648}"/>
-              </a:ext>
-              <a:ext uri="{C183D7F6-B498-43B3-948B-1728B52AA6E4}">
-                <adec:decorative xmlns:adec="http://schemas.microsoft.com/office/drawing/2017/decorative" val="1"/>
-              </a:ext>
-            </a:extLst>
-          </p:cNvPr>
-          <p:cNvSpPr>
-            <a:spLocks noGrp="1" noRot="1" noChangeAspect="1" noMove="1" noResize="1" noEditPoints="1" noAdjustHandles="1" noChangeArrowheads="1" noChangeShapeType="1" noTextEdit="1"/>
-          </p:cNvSpPr>
-          <p:nvPr>
-            <p:extLst>
-              <p:ext uri="{386F3935-93C4-4BCD-93E2-E3B085C9AB24}">
-                <p16:designElem xmlns:p16="http://schemas.microsoft.com/office/powerpoint/2015/main" val="1"/>
-              </p:ext>
-            </p:extLst>
-          </p:nvPr>
-        </p:nvSpPr>
-        <p:spPr bwMode="auto">
-          <a:xfrm>
-            <a:off x="0" y="-3175"/>
-            <a:ext cx="12192000" cy="5203825"/>
-          </a:xfrm>
-          <a:custGeom>
-            <a:avLst/>
-            <a:gdLst/>
-            <a:ahLst/>
-            <a:cxnLst/>
-            <a:rect l="0" t="0" r="r" b="b"/>
-            <a:pathLst>
-              <a:path w="5760" h="3278">
-                <a:moveTo>
-                  <a:pt x="5760" y="0"/>
-                </a:moveTo>
-                <a:lnTo>
-                  <a:pt x="0" y="0"/>
-                </a:lnTo>
-                <a:lnTo>
-                  <a:pt x="0" y="3090"/>
-                </a:lnTo>
-                <a:lnTo>
-                  <a:pt x="943" y="3090"/>
-                </a:lnTo>
-                <a:lnTo>
-                  <a:pt x="1123" y="3270"/>
-                </a:lnTo>
-                <a:lnTo>
-                  <a:pt x="1123" y="3270"/>
-                </a:lnTo>
-                <a:lnTo>
-                  <a:pt x="1127" y="3272"/>
-                </a:lnTo>
-                <a:lnTo>
-                  <a:pt x="1133" y="3275"/>
-                </a:lnTo>
-                <a:lnTo>
-                  <a:pt x="1139" y="3278"/>
-                </a:lnTo>
-                <a:lnTo>
-                  <a:pt x="1144" y="3278"/>
-                </a:lnTo>
-                <a:lnTo>
-                  <a:pt x="1150" y="3278"/>
-                </a:lnTo>
-                <a:lnTo>
-                  <a:pt x="1155" y="3275"/>
-                </a:lnTo>
-                <a:lnTo>
-                  <a:pt x="1161" y="3272"/>
-                </a:lnTo>
-                <a:lnTo>
-                  <a:pt x="1165" y="3270"/>
-                </a:lnTo>
-                <a:lnTo>
-                  <a:pt x="1345" y="3090"/>
-                </a:lnTo>
-                <a:lnTo>
-                  <a:pt x="5760" y="3090"/>
-                </a:lnTo>
-                <a:lnTo>
-                  <a:pt x="5760" y="0"/>
-                </a:lnTo>
-                <a:close/>
-              </a:path>
-            </a:pathLst>
-          </a:custGeom>
-          <a:ln/>
-          <a:effectLst/>
-          <a:extLst>
-            <a:ext uri="{91240B29-F687-4f45-9708-019B960494DF}">
-              <a14:hiddenLine xmlns:a14="http://schemas.microsoft.com/office/drawing/2010/main" xmlns:p14="http://schemas.microsoft.com/office/powerpoint/2010/main" xmlns:a16="http://schemas.microsoft.com/office/drawing/2014/main" xmlns="" w="9525">
-                <a:solidFill>
-                  <a:srgbClr val="000000"/>
-                </a:solidFill>
-                <a:round/>
-                <a:headEnd/>
-                <a:tailEnd/>
-              </a14:hiddenLine>
-            </a:ext>
-          </a:extLst>
-        </p:spPr>
-        <p:style>
-          <a:lnRef idx="1">
-            <a:schemeClr val="accent1"/>
-          </a:lnRef>
-          <a:fillRef idx="3">
-            <a:schemeClr val="accent1"/>
-          </a:fillRef>
-          <a:effectRef idx="2">
-            <a:schemeClr val="accent1"/>
-          </a:effectRef>
-          <a:fontRef idx="minor">
-            <a:schemeClr val="lt1"/>
-          </a:fontRef>
-        </p:style>
-      </p:sp>
-      <p:sp useBgFill="1">
-        <p:nvSpPr>
-          <p:cNvPr id="12" name="Rectangle 11">
-            <a:extLst>
-              <a:ext uri="{FF2B5EF4-FFF2-40B4-BE49-F238E27FC236}">
-                <a16:creationId xmlns:a16="http://schemas.microsoft.com/office/drawing/2014/main" id="{54047A07-72EC-41BC-A55F-C264F639FB20}"/>
-              </a:ext>
-              <a:ext uri="{C183D7F6-B498-43B3-948B-1728B52AA6E4}">
-                <adec:decorative xmlns:adec="http://schemas.microsoft.com/office/drawing/2017/decorative" val="1"/>
-              </a:ext>
-            </a:extLst>
-          </p:cNvPr>
-          <p:cNvSpPr>
-            <a:spLocks noGrp="1" noRot="1" noChangeAspect="1" noMove="1" noResize="1" noEditPoints="1" noAdjustHandles="1" noChangeArrowheads="1" noChangeShapeType="1" noTextEdit="1"/>
-          </p:cNvSpPr>
-          <p:nvPr>
-            <p:extLst>
-              <p:ext uri="{386F3935-93C4-4BCD-93E2-E3B085C9AB24}">
-                <p16:designElem xmlns:p16="http://schemas.microsoft.com/office/powerpoint/2015/main" val="1"/>
-              </p:ext>
-            </p:extLst>
-          </p:nvPr>
-        </p:nvSpPr>
-        <p:spPr>
-          <a:xfrm>
-            <a:off x="0" y="0"/>
-            <a:ext cx="12192000" cy="6858000"/>
-          </a:xfrm>
-          <a:prstGeom prst="rect">
-            <a:avLst/>
-          </a:prstGeom>
-          <a:ln>
-            <a:noFill/>
-          </a:ln>
-        </p:spPr>
-        <p:style>
-          <a:lnRef idx="2">
-            <a:schemeClr val="accent1">
-              <a:shade val="50000"/>
-            </a:schemeClr>
-          </a:lnRef>
-          <a:fillRef idx="1">
-            <a:schemeClr val="accent1"/>
-          </a:fillRef>
-          <a:effectRef idx="0">
-            <a:schemeClr val="accent1"/>
-          </a:effectRef>
-          <a:fontRef idx="minor">
-            <a:schemeClr val="lt1"/>
-          </a:fontRef>
-        </p:style>
-        <p:txBody>
-          <a:bodyPr rtlCol="0" anchor="ctr"/>
-          <a:lstStyle/>
-          <a:p>
-            <a:pPr algn="ctr"/>
-            <a:endParaRPr lang="en-US"/>
-          </a:p>
-        </p:txBody>
-      </p:sp>
-      <p:sp>
-        <p:nvSpPr>
           <p:cNvPr id="2" name="Título 1">
             <a:extLst>
               <a:ext uri="{FF2B5EF4-FFF2-40B4-BE49-F238E27FC236}">
-                <a16:creationId xmlns:a16="http://schemas.microsoft.com/office/drawing/2014/main" id="{E4A684AB-37EA-4E0F-B80E-670A900E0863}"/>
+                <a16:creationId xmlns:a16="http://schemas.microsoft.com/office/drawing/2014/main" id="{26700B15-8D96-468B-A07E-F6BCF6CBE993}"/>
               </a:ext>
             </a:extLst>
           </p:cNvPr>
@@ -15599,38 +15503,38 @@
             <p:ph type="title"/>
           </p:nvPr>
         </p:nvSpPr>
-        <p:spPr>
-          <a:xfrm>
-            <a:off x="810001" y="1449147"/>
-            <a:ext cx="10572000" cy="3732453"/>
-          </a:xfrm>
-        </p:spPr>
+        <p:spPr/>
         <p:txBody>
-          <a:bodyPr vert="horz" lIns="91440" tIns="45720" rIns="91440" bIns="45720" rtlCol="0" anchor="b">
-            <a:normAutofit/>
-          </a:bodyPr>
+          <a:bodyPr/>
           <a:lstStyle/>
           <a:p>
-            <a:br>
-              <a:rPr lang="en-US" sz="5400"/>
-            </a:br>
-            <a:endParaRPr lang="en-US" sz="5400"/>
+            <a:pPr algn="ctr"/>
+            <a:r>
+              <a:rPr lang="pt-BR" sz="7200" dirty="0">
+                <a:solidFill>
+                  <a:schemeClr val="bg1"/>
+                </a:solidFill>
+              </a:rPr>
+              <a:t>Modelagem</a:t>
+            </a:r>
           </a:p>
         </p:txBody>
       </p:sp>
       <p:pic>
         <p:nvPicPr>
-          <p:cNvPr id="7" name="Imagem 6" descr="Mapa com linhas pretas em fundo branco&#10;&#10;Descrição gerada automaticamente">
+          <p:cNvPr id="4" name="Espaço Reservado para Conteúdo 3" descr="Mapa com linhas pretas em fundo branco&#10;&#10;Descrição gerada automaticamente">
             <a:extLst>
               <a:ext uri="{FF2B5EF4-FFF2-40B4-BE49-F238E27FC236}">
-                <a16:creationId xmlns:a16="http://schemas.microsoft.com/office/drawing/2014/main" id="{1D05B020-0679-466A-BE1A-23D48300F2FC}"/>
+                <a16:creationId xmlns:a16="http://schemas.microsoft.com/office/drawing/2014/main" id="{32609882-E49C-48E5-B529-CB50CFC02AE7}"/>
               </a:ext>
             </a:extLst>
           </p:cNvPr>
           <p:cNvPicPr>
-            <a:picLocks noChangeAspect="1"/>
+            <a:picLocks noGrp="1" noChangeAspect="1"/>
           </p:cNvPicPr>
-          <p:nvPr/>
+          <p:nvPr>
+            <p:ph idx="1"/>
+          </p:nvPr>
         </p:nvPicPr>
         <p:blipFill>
           <a:blip r:embed="rId2"/>
@@ -15640,8 +15544,8 @@
         </p:blipFill>
         <p:spPr>
           <a:xfrm>
-            <a:off x="0" y="0"/>
-            <a:ext cx="12192000" cy="6858000"/>
+            <a:off x="989891" y="2272685"/>
+            <a:ext cx="10212216" cy="4429957"/>
           </a:xfrm>
           <a:prstGeom prst="rect">
             <a:avLst/>
@@ -15651,16 +15555,13 @@
     </p:spTree>
     <p:extLst>
       <p:ext uri="{BB962C8B-B14F-4D97-AF65-F5344CB8AC3E}">
-        <p14:creationId xmlns:p14="http://schemas.microsoft.com/office/powerpoint/2010/main" val="1326319019"/>
+        <p14:creationId xmlns:p14="http://schemas.microsoft.com/office/powerpoint/2010/main" val="4237863752"/>
       </p:ext>
     </p:extLst>
   </p:cSld>
   <p:clrMapOvr>
     <a:masterClrMapping/>
   </p:clrMapOvr>
-  <p:transition spd="slow">
-    <p:cover/>
-  </p:transition>
 </p:sld>
 </file>
 
@@ -15784,7 +15685,7 @@
           <a:effectLst/>
           <a:extLst>
             <a:ext uri="{91240B29-F687-4f45-9708-019B960494DF}">
-              <a14:hiddenLine xmlns:a14="http://schemas.microsoft.com/office/drawing/2010/main" xmlns:p14="http://schemas.microsoft.com/office/powerpoint/2010/main" xmlns:a16="http://schemas.microsoft.com/office/drawing/2014/main" xmlns="" w="9525">
+              <a14:hiddenLine xmlns="" xmlns:a16="http://schemas.microsoft.com/office/drawing/2014/main" xmlns:p14="http://schemas.microsoft.com/office/powerpoint/2010/main" xmlns:a14="http://schemas.microsoft.com/office/drawing/2010/main" w="9525">
                 <a:solidFill>
                   <a:srgbClr val="000000"/>
                 </a:solidFill>

--- a/Apresentação/SPRINT-HUMILDIFICADORES.pptx
+++ b/Apresentação/SPRINT-HUMILDIFICADORES.pptx
@@ -2855,7 +2855,7 @@
           <a:effectLst/>
           <a:extLst>
             <a:ext uri="{91240B29-F687-4f45-9708-019B960494DF}">
-              <a14:hiddenLine xmlns:a14="http://schemas.microsoft.com/office/drawing/2010/main" xmlns="" w="9525">
+              <a14:hiddenLine xmlns="" xmlns:a14="http://schemas.microsoft.com/office/drawing/2010/main" w="9525">
                 <a:solidFill>
                   <a:srgbClr val="000000"/>
                 </a:solidFill>
@@ -3048,7 +3048,7 @@
             <a:fld id="{08B9EBBA-996F-894A-B54A-D6246ED52CEA}" type="datetimeFigureOut">
               <a:rPr lang="en-US" smtClean="0"/>
               <a:pPr/>
-              <a:t>5/5/2020</a:t>
+              <a:t>5/6/2020</a:t>
             </a:fld>
             <a:endParaRPr lang="en-US" dirty="0"/>
           </a:p>
@@ -3368,7 +3368,7 @@
             <a:fld id="{18C79C5D-2A6F-F04D-97DA-BEF2467B64E4}" type="datetimeFigureOut">
               <a:rPr lang="en-US" smtClean="0"/>
               <a:pPr/>
-              <a:t>5/5/2020</a:t>
+              <a:t>5/6/2020</a:t>
             </a:fld>
             <a:endParaRPr lang="en-US" dirty="0"/>
           </a:p>
@@ -3858,7 +3858,7 @@
             <a:fld id="{8DFA1846-DA80-1C48-A609-854EA85C59AD}" type="datetimeFigureOut">
               <a:rPr lang="en-US" smtClean="0"/>
               <a:pPr/>
-              <a:t>5/5/2020</a:t>
+              <a:t>5/6/2020</a:t>
             </a:fld>
             <a:endParaRPr lang="en-US" dirty="0"/>
           </a:p>
@@ -4229,7 +4229,7 @@
             <a:fld id="{FBF54567-0DE4-3F47-BF90-CB84690072F9}" type="datetimeFigureOut">
               <a:rPr lang="en-US" smtClean="0"/>
               <a:pPr/>
-              <a:t>5/5/2020</a:t>
+              <a:t>5/6/2020</a:t>
             </a:fld>
             <a:endParaRPr lang="en-US" dirty="0"/>
           </a:p>
@@ -4385,7 +4385,7 @@
           <a:ln/>
           <a:extLst>
             <a:ext uri="{91240B29-F687-4f45-9708-019B960494DF}">
-              <a14:hiddenLine xmlns:a14="http://schemas.microsoft.com/office/drawing/2010/main" xmlns="" w="9525">
+              <a14:hiddenLine xmlns="" xmlns:a14="http://schemas.microsoft.com/office/drawing/2010/main" w="9525">
                 <a:solidFill>
                   <a:srgbClr val="000000"/>
                 </a:solidFill>
@@ -4504,7 +4504,7 @@
             <a:fld id="{C6C52C72-DE31-F449-A4ED-4C594FD91407}" type="datetimeFigureOut">
               <a:rPr lang="en-US" smtClean="0"/>
               <a:pPr/>
-              <a:t>5/5/2020</a:t>
+              <a:t>5/6/2020</a:t>
             </a:fld>
             <a:endParaRPr lang="en-US" dirty="0"/>
           </a:p>
@@ -4662,7 +4662,7 @@
           <a:ln/>
           <a:extLst>
             <a:ext uri="{91240B29-F687-4f45-9708-019B960494DF}">
-              <a14:hiddenLine xmlns:a14="http://schemas.microsoft.com/office/drawing/2010/main" xmlns="" w="9525">
+              <a14:hiddenLine xmlns="" xmlns:a14="http://schemas.microsoft.com/office/drawing/2010/main" w="9525">
                 <a:solidFill>
                   <a:srgbClr val="000000"/>
                 </a:solidFill>
@@ -4791,7 +4791,7 @@
             <a:fld id="{ED62726E-379B-B349-9EED-81ED093FA806}" type="datetimeFigureOut">
               <a:rPr lang="en-US" smtClean="0"/>
               <a:pPr/>
-              <a:t>5/5/2020</a:t>
+              <a:t>5/6/2020</a:t>
             </a:fld>
             <a:endParaRPr lang="en-US" dirty="0"/>
           </a:p>
@@ -4947,7 +4947,7 @@
           <a:ln/>
           <a:extLst>
             <a:ext uri="{91240B29-F687-4f45-9708-019B960494DF}">
-              <a14:hiddenLine xmlns:a14="http://schemas.microsoft.com/office/drawing/2010/main" xmlns="" w="9525">
+              <a14:hiddenLine xmlns="" xmlns:a14="http://schemas.microsoft.com/office/drawing/2010/main" w="9525">
                 <a:solidFill>
                   <a:srgbClr val="000000"/>
                 </a:solidFill>
@@ -5076,7 +5076,7 @@
             <a:fld id="{9B3A1323-8D79-1946-B0D7-40001CF92E9D}" type="datetimeFigureOut">
               <a:rPr lang="en-US" smtClean="0"/>
               <a:pPr/>
-              <a:t>5/5/2020</a:t>
+              <a:t>5/6/2020</a:t>
             </a:fld>
             <a:endParaRPr lang="en-US" dirty="0"/>
           </a:p>
@@ -5421,7 +5421,7 @@
             <a:fld id="{8DFA1846-DA80-1C48-A609-854EA85C59AD}" type="datetimeFigureOut">
               <a:rPr lang="en-US" smtClean="0"/>
               <a:pPr/>
-              <a:t>5/5/2020</a:t>
+              <a:t>5/6/2020</a:t>
             </a:fld>
             <a:endParaRPr lang="en-US" dirty="0"/>
           </a:p>
@@ -5577,7 +5577,7 @@
           <a:ln/>
           <a:extLst>
             <a:ext uri="{91240B29-F687-4f45-9708-019B960494DF}">
-              <a14:hiddenLine xmlns:a14="http://schemas.microsoft.com/office/drawing/2010/main" xmlns="" w="9525">
+              <a14:hiddenLine xmlns="" xmlns:a14="http://schemas.microsoft.com/office/drawing/2010/main" w="9525">
                 <a:solidFill>
                   <a:srgbClr val="000000"/>
                 </a:solidFill>
@@ -5762,7 +5762,7 @@
             <a:fld id="{57302355-E14B-8545-A8F8-0FE83CC9D524}" type="datetimeFigureOut">
               <a:rPr lang="en-US" smtClean="0"/>
               <a:pPr/>
-              <a:t>5/5/2020</a:t>
+              <a:t>5/6/2020</a:t>
             </a:fld>
             <a:endParaRPr lang="en-US" dirty="0"/>
           </a:p>
@@ -5918,7 +5918,7 @@
           <a:ln/>
           <a:extLst>
             <a:ext uri="{91240B29-F687-4f45-9708-019B960494DF}">
-              <a14:hiddenLine xmlns:a14="http://schemas.microsoft.com/office/drawing/2010/main" xmlns="" w="9525">
+              <a14:hiddenLine xmlns="" xmlns:a14="http://schemas.microsoft.com/office/drawing/2010/main" w="9525">
                 <a:solidFill>
                   <a:srgbClr val="000000"/>
                 </a:solidFill>
@@ -6241,7 +6241,7 @@
             <a:fld id="{02640F58-564D-2B4F-AE67-E407BA4FCF45}" type="datetimeFigureOut">
               <a:rPr lang="en-US" smtClean="0"/>
               <a:pPr/>
-              <a:t>5/5/2020</a:t>
+              <a:t>5/6/2020</a:t>
             </a:fld>
             <a:endParaRPr lang="en-US" dirty="0"/>
           </a:p>
@@ -6397,7 +6397,7 @@
           <a:ln/>
           <a:extLst>
             <a:ext uri="{91240B29-F687-4f45-9708-019B960494DF}">
-              <a14:hiddenLine xmlns:a14="http://schemas.microsoft.com/office/drawing/2010/main" xmlns="" w="9525">
+              <a14:hiddenLine xmlns="" xmlns:a14="http://schemas.microsoft.com/office/drawing/2010/main" w="9525">
                 <a:solidFill>
                   <a:srgbClr val="000000"/>
                 </a:solidFill>
@@ -6464,7 +6464,7 @@
             <a:fld id="{F13A34C8-038E-2045-AF43-DF7DBB8E0E9E}" type="datetimeFigureOut">
               <a:rPr lang="en-US" smtClean="0"/>
               <a:pPr/>
-              <a:t>5/5/2020</a:t>
+              <a:t>5/6/2020</a:t>
             </a:fld>
             <a:endParaRPr lang="en-US" dirty="0"/>
           </a:p>
@@ -6561,7 +6561,7 @@
             <a:fld id="{8818C68F-D26B-8F47-958C-23B49CF8A634}" type="datetimeFigureOut">
               <a:rPr lang="en-US" smtClean="0"/>
               <a:pPr/>
-              <a:t>5/5/2020</a:t>
+              <a:t>5/6/2020</a:t>
             </a:fld>
             <a:endParaRPr lang="en-US" dirty="0"/>
           </a:p>
@@ -6830,7 +6830,7 @@
           <a:ln/>
           <a:extLst>
             <a:ext uri="{91240B29-F687-4f45-9708-019B960494DF}">
-              <a14:hiddenLine xmlns:a14="http://schemas.microsoft.com/office/drawing/2010/main" xmlns="" w="9525">
+              <a14:hiddenLine xmlns="" xmlns:a14="http://schemas.microsoft.com/office/drawing/2010/main" w="9525">
                 <a:solidFill>
                   <a:srgbClr val="000000"/>
                 </a:solidFill>
@@ -7030,7 +7030,7 @@
             <a:fld id="{D0DF5E60-9974-AC48-9591-99C2BB44B7CF}" type="datetimeFigureOut">
               <a:rPr lang="en-US" smtClean="0"/>
               <a:pPr/>
-              <a:t>5/5/2020</a:t>
+              <a:t>5/6/2020</a:t>
             </a:fld>
             <a:endParaRPr lang="en-US" dirty="0"/>
           </a:p>
@@ -7345,7 +7345,7 @@
             <a:fld id="{18C79C5D-2A6F-F04D-97DA-BEF2467B64E4}" type="datetimeFigureOut">
               <a:rPr lang="en-US" smtClean="0"/>
               <a:pPr/>
-              <a:t>5/5/2020</a:t>
+              <a:t>5/6/2020</a:t>
             </a:fld>
             <a:endParaRPr lang="en-US" dirty="0"/>
           </a:p>
@@ -7617,7 +7617,7 @@
             <a:fld id="{09B482E8-6E0E-1B4F-B1FD-C69DB9E858D9}" type="datetimeFigureOut">
               <a:rPr lang="en-US" smtClean="0"/>
               <a:pPr/>
-              <a:t>5/5/2020</a:t>
+              <a:t>5/6/2020</a:t>
             </a:fld>
             <a:endParaRPr lang="en-US" dirty="0"/>
           </a:p>
@@ -9210,7 +9210,7 @@
           <a:effectLst/>
           <a:extLst>
             <a:ext uri="{91240B29-F687-4f45-9708-019B960494DF}">
-              <a14:hiddenLine xmlns="" xmlns:a14="http://schemas.microsoft.com/office/drawing/2010/main" xmlns:a16="http://schemas.microsoft.com/office/drawing/2014/main" w="9525">
+              <a14:hiddenLine xmlns:a16="http://schemas.microsoft.com/office/drawing/2014/main" xmlns:a14="http://schemas.microsoft.com/office/drawing/2010/main" xmlns="" w="9525">
                 <a:solidFill>
                   <a:srgbClr val="000000"/>
                 </a:solidFill>
@@ -9542,7 +9542,7 @@
           <a:effectLst/>
           <a:extLst>
             <a:ext uri="{91240B29-F687-4f45-9708-019B960494DF}">
-              <a14:hiddenLine xmlns="" xmlns:a16="http://schemas.microsoft.com/office/drawing/2014/main" xmlns:p14="http://schemas.microsoft.com/office/powerpoint/2010/main" xmlns:a14="http://schemas.microsoft.com/office/drawing/2010/main" w="9525">
+              <a14:hiddenLine xmlns:a14="http://schemas.microsoft.com/office/drawing/2010/main" xmlns:p14="http://schemas.microsoft.com/office/powerpoint/2010/main" xmlns:a16="http://schemas.microsoft.com/office/drawing/2014/main" xmlns="" w="9525">
                 <a:solidFill>
                   <a:srgbClr val="000000"/>
                 </a:solidFill>
@@ -10321,7 +10321,7 @@
           <a:effectLst/>
           <a:extLst>
             <a:ext uri="{91240B29-F687-4f45-9708-019B960494DF}">
-              <a14:hiddenLine xmlns="" xmlns:a14="http://schemas.microsoft.com/office/drawing/2010/main" xmlns:a16="http://schemas.microsoft.com/office/drawing/2014/main" w="9525">
+              <a14:hiddenLine xmlns:a16="http://schemas.microsoft.com/office/drawing/2014/main" xmlns:a14="http://schemas.microsoft.com/office/drawing/2010/main" xmlns="" w="9525">
                 <a:solidFill>
                   <a:srgbClr val="000000"/>
                 </a:solidFill>
@@ -10695,7 +10695,7 @@
           <a:effectLst/>
           <a:extLst>
             <a:ext uri="{91240B29-F687-4f45-9708-019B960494DF}">
-              <a14:hiddenLine xmlns="" xmlns:a16="http://schemas.microsoft.com/office/drawing/2014/main" xmlns:p14="http://schemas.microsoft.com/office/powerpoint/2010/main" xmlns:a14="http://schemas.microsoft.com/office/drawing/2010/main" w="9525">
+              <a14:hiddenLine xmlns:a14="http://schemas.microsoft.com/office/drawing/2010/main" xmlns:p14="http://schemas.microsoft.com/office/powerpoint/2010/main" xmlns:a16="http://schemas.microsoft.com/office/drawing/2014/main" xmlns="" w="9525">
                 <a:solidFill>
                   <a:srgbClr val="000000"/>
                 </a:solidFill>
@@ -11453,7 +11453,7 @@
           <a:effectLst/>
           <a:extLst>
             <a:ext uri="{91240B29-F687-4f45-9708-019B960494DF}">
-              <a14:hiddenLine xmlns="" xmlns:a14="http://schemas.microsoft.com/office/drawing/2010/main" xmlns:a16="http://schemas.microsoft.com/office/drawing/2014/main" w="9525">
+              <a14:hiddenLine xmlns:a16="http://schemas.microsoft.com/office/drawing/2014/main" xmlns:a14="http://schemas.microsoft.com/office/drawing/2010/main" xmlns="" w="9525">
                 <a:solidFill>
                   <a:srgbClr val="000000"/>
                 </a:solidFill>
@@ -11785,7 +11785,7 @@
           <a:effectLst/>
           <a:extLst>
             <a:ext uri="{91240B29-F687-4f45-9708-019B960494DF}">
-              <a14:hiddenLine xmlns="" xmlns:a16="http://schemas.microsoft.com/office/drawing/2014/main" xmlns:p14="http://schemas.microsoft.com/office/powerpoint/2010/main" xmlns:a14="http://schemas.microsoft.com/office/drawing/2010/main" w="9525">
+              <a14:hiddenLine xmlns:a14="http://schemas.microsoft.com/office/drawing/2010/main" xmlns:p14="http://schemas.microsoft.com/office/powerpoint/2010/main" xmlns:a16="http://schemas.microsoft.com/office/drawing/2014/main" xmlns="" w="9525">
                 <a:solidFill>
                   <a:srgbClr val="000000"/>
                 </a:solidFill>
@@ -14676,7 +14676,7 @@
           <a:effectLst/>
           <a:extLst>
             <a:ext uri="{91240B29-F687-4f45-9708-019B960494DF}">
-              <a14:hiddenLine xmlns="" xmlns:a14="http://schemas.microsoft.com/office/drawing/2010/main" xmlns:a16="http://schemas.microsoft.com/office/drawing/2014/main" w="9525">
+              <a14:hiddenLine xmlns:a16="http://schemas.microsoft.com/office/drawing/2014/main" xmlns:a14="http://schemas.microsoft.com/office/drawing/2010/main" xmlns="" w="9525">
                 <a:solidFill>
                   <a:srgbClr val="000000"/>
                 </a:solidFill>
@@ -15024,7 +15024,7 @@
           <a:effectLst/>
           <a:extLst>
             <a:ext uri="{91240B29-F687-4f45-9708-019B960494DF}">
-              <a14:hiddenLine xmlns="" xmlns:a16="http://schemas.microsoft.com/office/drawing/2014/main" xmlns:p14="http://schemas.microsoft.com/office/powerpoint/2010/main" xmlns:a14="http://schemas.microsoft.com/office/drawing/2010/main" w="9525">
+              <a14:hiddenLine xmlns:a14="http://schemas.microsoft.com/office/drawing/2010/main" xmlns:p14="http://schemas.microsoft.com/office/powerpoint/2010/main" xmlns:a16="http://schemas.microsoft.com/office/drawing/2014/main" xmlns="" w="9525">
                 <a:solidFill>
                   <a:srgbClr val="000000"/>
                 </a:solidFill>
@@ -15522,10 +15522,10 @@
       </p:sp>
       <p:pic>
         <p:nvPicPr>
-          <p:cNvPr id="4" name="Espaço Reservado para Conteúdo 3" descr="Mapa com linhas pretas em fundo branco&#10;&#10;Descrição gerada automaticamente">
+          <p:cNvPr id="7" name="Espaço Reservado para Conteúdo 6">
             <a:extLst>
               <a:ext uri="{FF2B5EF4-FFF2-40B4-BE49-F238E27FC236}">
-                <a16:creationId xmlns:a16="http://schemas.microsoft.com/office/drawing/2014/main" id="{32609882-E49C-48E5-B529-CB50CFC02AE7}"/>
+                <a16:creationId xmlns:a16="http://schemas.microsoft.com/office/drawing/2014/main" id="{30107BAD-1435-4FC5-90D4-748B87B2BC2D}"/>
               </a:ext>
             </a:extLst>
           </p:cNvPr>
@@ -15544,12 +15544,9 @@
         </p:blipFill>
         <p:spPr>
           <a:xfrm>
-            <a:off x="989891" y="2272685"/>
-            <a:ext cx="10212216" cy="4429957"/>
+            <a:off x="869983" y="2213622"/>
+            <a:ext cx="10452034" cy="4542284"/>
           </a:xfrm>
-          <a:prstGeom prst="rect">
-            <a:avLst/>
-          </a:prstGeom>
         </p:spPr>
       </p:pic>
     </p:spTree>
@@ -15685,7 +15682,7 @@
           <a:effectLst/>
           <a:extLst>
             <a:ext uri="{91240B29-F687-4f45-9708-019B960494DF}">
-              <a14:hiddenLine xmlns="" xmlns:a16="http://schemas.microsoft.com/office/drawing/2014/main" xmlns:p14="http://schemas.microsoft.com/office/powerpoint/2010/main" xmlns:a14="http://schemas.microsoft.com/office/drawing/2010/main" w="9525">
+              <a14:hiddenLine xmlns:a14="http://schemas.microsoft.com/office/drawing/2010/main" xmlns:p14="http://schemas.microsoft.com/office/powerpoint/2010/main" xmlns:a16="http://schemas.microsoft.com/office/drawing/2014/main" xmlns="" w="9525">
                 <a:solidFill>
                   <a:srgbClr val="000000"/>
                 </a:solidFill>
